--- a/Verteitigung.pptx
+++ b/Verteitigung.pptx
@@ -31,8 +31,8 @@
     <p:sldId id="275" r:id="rId22"/>
     <p:sldId id="276" r:id="rId23"/>
     <p:sldId id="277" r:id="rId24"/>
-    <p:sldId id="279" r:id="rId25"/>
-    <p:sldId id="278" r:id="rId26"/>
+    <p:sldId id="278" r:id="rId25"/>
+    <p:sldId id="279" r:id="rId26"/>
   </p:sldIdLst>
   <p:sldSz cx="9144000" cy="6858000" type="screen4x3"/>
   <p:notesSz cx="7099300" cy="10234613"/>
@@ -131,6 +131,11 @@
       </a:defRPr>
     </a:lvl9pPr>
   </p:defaultTextStyle>
+  <p:extLst>
+    <p:ext uri="{EFAFB233-063F-42B5-8137-9DF3F51BA10A}">
+      <p15:sldGuideLst xmlns:p15="http://schemas.microsoft.com/office/powerpoint/2012/main"/>
+    </p:ext>
+  </p:extLst>
 </p:presentation>
 </file>
 
@@ -139,7 +144,7 @@
   <pc:docChgLst>
     <pc:chgData name="Henry Winkel" userId="6a56c43121c79b0a" providerId="LiveId" clId="{4D9B8240-4D5D-4513-B704-274F1F50401D}"/>
     <pc:docChg chg="undo custSel addSld delSld modSld sldOrd">
-      <pc:chgData name="Henry Winkel" userId="6a56c43121c79b0a" providerId="LiveId" clId="{4D9B8240-4D5D-4513-B704-274F1F50401D}" dt="2018-09-10T17:50:30.128" v="748" actId="20577"/>
+      <pc:chgData name="Henry Winkel" userId="6a56c43121c79b0a" providerId="LiveId" clId="{4D9B8240-4D5D-4513-B704-274F1F50401D}" dt="2018-09-11T06:51:14.017" v="811" actId="1076"/>
       <pc:docMkLst>
         <pc:docMk/>
       </pc:docMkLst>
@@ -174,13 +179,13 @@
         </pc:spChg>
       </pc:sldChg>
       <pc:sldChg chg="modSp">
-        <pc:chgData name="Henry Winkel" userId="6a56c43121c79b0a" providerId="LiveId" clId="{4D9B8240-4D5D-4513-B704-274F1F50401D}" dt="2018-09-10T17:50:30.128" v="748" actId="20577"/>
+        <pc:chgData name="Henry Winkel" userId="6a56c43121c79b0a" providerId="LiveId" clId="{4D9B8240-4D5D-4513-B704-274F1F50401D}" dt="2018-09-11T06:27:55.048" v="762" actId="14734"/>
         <pc:sldMkLst>
           <pc:docMk/>
           <pc:sldMk cId="0" sldId="264"/>
         </pc:sldMkLst>
         <pc:spChg chg="mod">
-          <ac:chgData name="Henry Winkel" userId="6a56c43121c79b0a" providerId="LiveId" clId="{4D9B8240-4D5D-4513-B704-274F1F50401D}" dt="2018-09-10T14:32:28.859" v="344" actId="1076"/>
+          <ac:chgData name="Henry Winkel" userId="6a56c43121c79b0a" providerId="LiveId" clId="{4D9B8240-4D5D-4513-B704-274F1F50401D}" dt="2018-09-11T06:27:22.514" v="756" actId="1076"/>
           <ac:spMkLst>
             <pc:docMk/>
             <pc:sldMk cId="0" sldId="264"/>
@@ -188,7 +193,7 @@
           </ac:spMkLst>
         </pc:spChg>
         <pc:graphicFrameChg chg="mod modGraphic">
-          <ac:chgData name="Henry Winkel" userId="6a56c43121c79b0a" providerId="LiveId" clId="{4D9B8240-4D5D-4513-B704-274F1F50401D}" dt="2018-09-10T17:50:30.128" v="748" actId="20577"/>
+          <ac:chgData name="Henry Winkel" userId="6a56c43121c79b0a" providerId="LiveId" clId="{4D9B8240-4D5D-4513-B704-274F1F50401D}" dt="2018-09-11T06:27:55.048" v="762" actId="14734"/>
           <ac:graphicFrameMkLst>
             <pc:docMk/>
             <pc:sldMk cId="0" sldId="264"/>
@@ -197,13 +202,21 @@
         </pc:graphicFrameChg>
       </pc:sldChg>
       <pc:sldChg chg="modSp">
-        <pc:chgData name="Henry Winkel" userId="6a56c43121c79b0a" providerId="LiveId" clId="{4D9B8240-4D5D-4513-B704-274F1F50401D}" dt="2018-09-10T17:49:58.113" v="730" actId="6549"/>
+        <pc:chgData name="Henry Winkel" userId="6a56c43121c79b0a" providerId="LiveId" clId="{4D9B8240-4D5D-4513-B704-274F1F50401D}" dt="2018-09-11T06:28:31.860" v="765" actId="1076"/>
         <pc:sldMkLst>
           <pc:docMk/>
           <pc:sldMk cId="0" sldId="265"/>
         </pc:sldMkLst>
+        <pc:spChg chg="mod">
+          <ac:chgData name="Henry Winkel" userId="6a56c43121c79b0a" providerId="LiveId" clId="{4D9B8240-4D5D-4513-B704-274F1F50401D}" dt="2018-09-11T06:28:31.860" v="765" actId="1076"/>
+          <ac:spMkLst>
+            <pc:docMk/>
+            <pc:sldMk cId="0" sldId="265"/>
+            <ac:spMk id="130" creationId="{00000000-0000-0000-0000-000000000000}"/>
+          </ac:spMkLst>
+        </pc:spChg>
         <pc:graphicFrameChg chg="mod modGraphic">
-          <ac:chgData name="Henry Winkel" userId="6a56c43121c79b0a" providerId="LiveId" clId="{4D9B8240-4D5D-4513-B704-274F1F50401D}" dt="2018-09-10T17:49:58.113" v="730" actId="6549"/>
+          <ac:chgData name="Henry Winkel" userId="6a56c43121c79b0a" providerId="LiveId" clId="{4D9B8240-4D5D-4513-B704-274F1F50401D}" dt="2018-09-11T06:28:06.856" v="764" actId="14734"/>
           <ac:graphicFrameMkLst>
             <pc:docMk/>
             <pc:sldMk cId="0" sldId="265"/>
@@ -211,8 +224,39 @@
           </ac:graphicFrameMkLst>
         </pc:graphicFrameChg>
       </pc:sldChg>
+      <pc:sldChg chg="modSp">
+        <pc:chgData name="Henry Winkel" userId="6a56c43121c79b0a" providerId="LiveId" clId="{4D9B8240-4D5D-4513-B704-274F1F50401D}" dt="2018-09-11T06:50:35.812" v="807" actId="14100"/>
+        <pc:sldMkLst>
+          <pc:docMk/>
+          <pc:sldMk cId="0" sldId="266"/>
+        </pc:sldMkLst>
+        <pc:spChg chg="mod">
+          <ac:chgData name="Henry Winkel" userId="6a56c43121c79b0a" providerId="LiveId" clId="{4D9B8240-4D5D-4513-B704-274F1F50401D}" dt="2018-09-11T06:50:35.812" v="807" actId="14100"/>
+          <ac:spMkLst>
+            <pc:docMk/>
+            <pc:sldMk cId="0" sldId="266"/>
+            <ac:spMk id="137" creationId="{00000000-0000-0000-0000-000000000000}"/>
+          </ac:spMkLst>
+        </pc:spChg>
+        <pc:graphicFrameChg chg="mod modGraphic">
+          <ac:chgData name="Henry Winkel" userId="6a56c43121c79b0a" providerId="LiveId" clId="{4D9B8240-4D5D-4513-B704-274F1F50401D}" dt="2018-09-11T06:50:11.995" v="805" actId="20577"/>
+          <ac:graphicFrameMkLst>
+            <pc:docMk/>
+            <pc:sldMk cId="0" sldId="266"/>
+            <ac:graphicFrameMk id="136" creationId="{00000000-0000-0000-0000-000000000000}"/>
+          </ac:graphicFrameMkLst>
+        </pc:graphicFrameChg>
+        <pc:picChg chg="mod">
+          <ac:chgData name="Henry Winkel" userId="6a56c43121c79b0a" providerId="LiveId" clId="{4D9B8240-4D5D-4513-B704-274F1F50401D}" dt="2018-09-11T06:50:16.855" v="806" actId="14100"/>
+          <ac:picMkLst>
+            <pc:docMk/>
+            <pc:sldMk cId="0" sldId="266"/>
+            <ac:picMk id="135" creationId="{00000000-0000-0000-0000-000000000000}"/>
+          </ac:picMkLst>
+        </pc:picChg>
+      </pc:sldChg>
       <pc:sldChg chg="addSp modSp">
-        <pc:chgData name="Henry Winkel" userId="6a56c43121c79b0a" providerId="LiveId" clId="{4D9B8240-4D5D-4513-B704-274F1F50401D}" dt="2018-09-10T17:46:51.559" v="723" actId="207"/>
+        <pc:chgData name="Henry Winkel" userId="6a56c43121c79b0a" providerId="LiveId" clId="{4D9B8240-4D5D-4513-B704-274F1F50401D}" dt="2018-09-11T06:51:14.017" v="811" actId="1076"/>
         <pc:sldMkLst>
           <pc:docMk/>
           <pc:sldMk cId="0" sldId="267"/>
@@ -225,14 +269,30 @@
             <ac:spMk id="7" creationId="{E9B929E1-CEE6-495B-BF38-BDBECC9E9AFE}"/>
           </ac:spMkLst>
         </pc:spChg>
+        <pc:spChg chg="mod">
+          <ac:chgData name="Henry Winkel" userId="6a56c43121c79b0a" providerId="LiveId" clId="{4D9B8240-4D5D-4513-B704-274F1F50401D}" dt="2018-09-11T06:51:02.373" v="808" actId="1076"/>
+          <ac:spMkLst>
+            <pc:docMk/>
+            <pc:sldMk cId="0" sldId="267"/>
+            <ac:spMk id="140" creationId="{00000000-0000-0000-0000-000000000000}"/>
+          </ac:spMkLst>
+        </pc:spChg>
         <pc:graphicFrameChg chg="mod modGraphic">
-          <ac:chgData name="Henry Winkel" userId="6a56c43121c79b0a" providerId="LiveId" clId="{4D9B8240-4D5D-4513-B704-274F1F50401D}" dt="2018-09-10T17:46:51.559" v="723" actId="207"/>
+          <ac:chgData name="Henry Winkel" userId="6a56c43121c79b0a" providerId="LiveId" clId="{4D9B8240-4D5D-4513-B704-274F1F50401D}" dt="2018-09-11T06:51:14.017" v="811" actId="1076"/>
           <ac:graphicFrameMkLst>
             <pc:docMk/>
             <pc:sldMk cId="0" sldId="267"/>
             <ac:graphicFrameMk id="139" creationId="{00000000-0000-0000-0000-000000000000}"/>
           </ac:graphicFrameMkLst>
         </pc:graphicFrameChg>
+        <pc:picChg chg="mod">
+          <ac:chgData name="Henry Winkel" userId="6a56c43121c79b0a" providerId="LiveId" clId="{4D9B8240-4D5D-4513-B704-274F1F50401D}" dt="2018-09-11T06:51:05.310" v="809" actId="1076"/>
+          <ac:picMkLst>
+            <pc:docMk/>
+            <pc:sldMk cId="0" sldId="267"/>
+            <ac:picMk id="141" creationId="{00000000-0000-0000-0000-000000000000}"/>
+          </ac:picMkLst>
+        </pc:picChg>
       </pc:sldChg>
       <pc:sldChg chg="modSp">
         <pc:chgData name="Henry Winkel" userId="6a56c43121c79b0a" providerId="LiveId" clId="{4D9B8240-4D5D-4513-B704-274F1F50401D}" dt="2018-09-10T14:18:50.969" v="1"/>
@@ -293,6 +353,13 @@
             <ac:spMk id="187" creationId="{00000000-0000-0000-0000-000000000000}"/>
           </ac:spMkLst>
         </pc:spChg>
+      </pc:sldChg>
+      <pc:sldChg chg="ord">
+        <pc:chgData name="Henry Winkel" userId="6a56c43121c79b0a" providerId="LiveId" clId="{4D9B8240-4D5D-4513-B704-274F1F50401D}" dt="2018-09-11T06:25:21.287" v="749"/>
+        <pc:sldMkLst>
+          <pc:docMk/>
+          <pc:sldMk cId="0" sldId="278"/>
+        </pc:sldMkLst>
       </pc:sldChg>
       <pc:sldChg chg="addSp delSp modSp add ord">
         <pc:chgData name="Henry Winkel" userId="6a56c43121c79b0a" providerId="LiveId" clId="{4D9B8240-4D5D-4513-B704-274F1F50401D}" dt="2018-09-10T14:33:19.106" v="356"/>
@@ -2389,7 +2456,7 @@
                 <a:latin typeface="Arial"/>
                 <a:ea typeface="+mn-ea"/>
               </a:rPr>
-              <a:t>23</a:t>
+              <a:t>24</a:t>
             </a:fld>
             <a:endParaRPr lang="de-DE" sz="1300" b="0" strike="noStrike" spc="-1">
               <a:solidFill>
@@ -8514,7 +8581,7 @@
         </p:nvSpPr>
         <p:spPr>
           <a:xfrm>
-            <a:off x="17280" y="5013000"/>
+            <a:off x="0" y="6113830"/>
             <a:ext cx="350280" cy="271440"/>
           </a:xfrm>
           <a:prstGeom prst="rect">
@@ -8547,7 +8614,7 @@
               </a:lnSpc>
             </a:pPr>
             <a:r>
-              <a:rPr lang="de-DE" sz="1200" b="0" strike="noStrike" spc="-1">
+              <a:rPr lang="de-DE" sz="1200" b="0" strike="noStrike" spc="-1" dirty="0">
                 <a:solidFill>
                   <a:srgbClr val="666666"/>
                 </a:solidFill>
@@ -8561,7 +8628,7 @@
               </a:rPr>
               <a:t>[3]</a:t>
             </a:r>
-            <a:endParaRPr lang="de-DE" sz="1200" b="0" strike="noStrike" spc="-1">
+            <a:endParaRPr lang="de-DE" sz="1200" b="0" strike="noStrike" spc="-1" dirty="0">
               <a:solidFill>
                 <a:srgbClr val="666666"/>
               </a:solidFill>
@@ -8582,35 +8649,35 @@
           <p:nvPr>
             <p:extLst>
               <p:ext uri="{D42A27DB-BD31-4B8C-83A1-F6EECF244321}">
-                <p14:modId xmlns:p14="http://schemas.microsoft.com/office/powerpoint/2010/main" val="2190826412"/>
+                <p14:modId xmlns:p14="http://schemas.microsoft.com/office/powerpoint/2010/main" val="735084391"/>
               </p:ext>
             </p:extLst>
           </p:nvPr>
         </p:nvGraphicFramePr>
         <p:xfrm>
-          <a:off x="108000" y="860040"/>
-          <a:ext cx="8652240" cy="4115520"/>
+          <a:off x="251640" y="1168920"/>
+          <a:ext cx="8593019" cy="4012486"/>
         </p:xfrm>
         <a:graphic>
           <a:graphicData uri="http://schemas.openxmlformats.org/drawingml/2006/table">
             <a:tbl>
               <a:tblPr/>
               <a:tblGrid>
-                <a:gridCol w="1115280">
+                <a:gridCol w="1107646">
                   <a:extLst>
                     <a:ext uri="{9D8B030D-6E8A-4147-A177-3AD203B41FA5}">
                       <a16:colId xmlns:a16="http://schemas.microsoft.com/office/drawing/2014/main" val="20000"/>
                     </a:ext>
                   </a:extLst>
                 </a:gridCol>
-                <a:gridCol w="2756160">
+                <a:gridCol w="2737295">
                   <a:extLst>
                     <a:ext uri="{9D8B030D-6E8A-4147-A177-3AD203B41FA5}">
                       <a16:colId xmlns:a16="http://schemas.microsoft.com/office/drawing/2014/main" val="20001"/>
                     </a:ext>
                   </a:extLst>
                 </a:gridCol>
-                <a:gridCol w="4780800">
+                <a:gridCol w="4748078">
                   <a:extLst>
                     <a:ext uri="{9D8B030D-6E8A-4147-A177-3AD203B41FA5}">
                       <a16:colId xmlns:a16="http://schemas.microsoft.com/office/drawing/2014/main" val="20002"/>
@@ -8618,7 +8685,7 @@
                   </a:extLst>
                 </a:gridCol>
               </a:tblGrid>
-              <a:tr h="949680">
+              <a:tr h="855189">
                 <a:tc>
                   <a:txBody>
                     <a:bodyPr/>
@@ -8802,7 +8869,7 @@
                   </a:ext>
                 </a:extLst>
               </a:tr>
-              <a:tr h="316440">
+              <a:tr h="315586">
                 <a:tc rowSpan="7">
                   <a:txBody>
                     <a:bodyPr/>
@@ -9104,7 +9171,7 @@
                   </a:ext>
                 </a:extLst>
               </a:tr>
-              <a:tr h="316440">
+              <a:tr h="315586">
                 <a:tc vMerge="1">
                   <a:txBody>
                     <a:bodyPr/>
@@ -9191,7 +9258,7 @@
                   </a:ext>
                 </a:extLst>
               </a:tr>
-              <a:tr h="316440">
+              <a:tr h="315586">
                 <a:tc vMerge="1">
                   <a:txBody>
                     <a:bodyPr/>
@@ -9278,7 +9345,7 @@
                   </a:ext>
                 </a:extLst>
               </a:tr>
-              <a:tr h="316440">
+              <a:tr h="315586">
                 <a:tc vMerge="1">
                   <a:txBody>
                     <a:bodyPr/>
@@ -9365,7 +9432,7 @@
                   </a:ext>
                 </a:extLst>
               </a:tr>
-              <a:tr h="316440">
+              <a:tr h="315586">
                 <a:tc vMerge="1">
                   <a:txBody>
                     <a:bodyPr/>
@@ -9452,7 +9519,7 @@
                   </a:ext>
                 </a:extLst>
               </a:tr>
-              <a:tr h="316440">
+              <a:tr h="315586">
                 <a:tc vMerge="1">
                   <a:txBody>
                     <a:bodyPr/>
@@ -9539,7 +9606,7 @@
                   </a:ext>
                 </a:extLst>
               </a:tr>
-              <a:tr h="316440">
+              <a:tr h="315586">
                 <a:tc vMerge="1">
                   <a:txBody>
                     <a:bodyPr/>
@@ -9665,7 +9732,7 @@
                   </a:ext>
                 </a:extLst>
               </a:tr>
-              <a:tr h="316440">
+              <a:tr h="315586">
                 <a:tc rowSpan="3">
                   <a:txBody>
                     <a:bodyPr/>
@@ -9747,7 +9814,7 @@
                         </a:lnSpc>
                       </a:pPr>
                       <a:r>
-                        <a:rPr lang="de-DE" sz="1200" b="0" strike="noStrike" spc="-1">
+                        <a:rPr lang="de-DE" sz="1200" b="0" strike="noStrike" spc="-1" dirty="0">
                           <a:solidFill>
                             <a:srgbClr val="666666"/>
                           </a:solidFill>
@@ -9767,7 +9834,7 @@
                           <a:spcPct val="100000"/>
                         </a:lnSpc>
                       </a:pPr>
-                      <a:endParaRPr lang="de-DE" sz="1200" b="0" strike="noStrike" spc="-1">
+                      <a:endParaRPr lang="de-DE" sz="1200" b="0" strike="noStrike" spc="-1" dirty="0">
                         <a:solidFill>
                           <a:srgbClr val="666666"/>
                         </a:solidFill>
@@ -9786,7 +9853,7 @@
                         </a:lnSpc>
                       </a:pPr>
                       <a:r>
-                        <a:rPr lang="de-DE" sz="1200" b="0" strike="noStrike" spc="-1">
+                        <a:rPr lang="de-DE" sz="1200" b="0" strike="noStrike" spc="-1" dirty="0">
                           <a:solidFill>
                             <a:srgbClr val="666666"/>
                           </a:solidFill>
@@ -9806,7 +9873,7 @@
                           <a:spcPct val="100000"/>
                         </a:lnSpc>
                       </a:pPr>
-                      <a:endParaRPr lang="de-DE" sz="1200" b="0" strike="noStrike" spc="-1">
+                      <a:endParaRPr lang="de-DE" sz="1200" b="0" strike="noStrike" spc="-1" dirty="0">
                         <a:solidFill>
                           <a:srgbClr val="666666"/>
                         </a:solidFill>
@@ -10025,7 +10092,7 @@
                   </a:ext>
                 </a:extLst>
               </a:tr>
-              <a:tr h="316440">
+              <a:tr h="315586">
                 <a:tc vMerge="1">
                   <a:txBody>
                     <a:bodyPr/>
@@ -10236,7 +10303,7 @@
                   </a:ext>
                 </a:extLst>
               </a:tr>
-              <a:tr h="317880">
+              <a:tr h="317023">
                 <a:tc vMerge="1">
                   <a:txBody>
                     <a:bodyPr/>
@@ -10698,7 +10765,7 @@
         <p:spPr>
           <a:xfrm>
             <a:off x="5328000" y="1957320"/>
-            <a:ext cx="3442320" cy="2146680"/>
+            <a:ext cx="3542760" cy="2357228"/>
           </a:xfrm>
           <a:prstGeom prst="rect">
             <a:avLst/>
@@ -10712,11 +10779,17 @@
         <p:nvGraphicFramePr>
           <p:cNvPr id="136" name="Table 4"/>
           <p:cNvGraphicFramePr/>
-          <p:nvPr/>
+          <p:nvPr>
+            <p:extLst>
+              <p:ext uri="{D42A27DB-BD31-4B8C-83A1-F6EECF244321}">
+                <p14:modId xmlns:p14="http://schemas.microsoft.com/office/powerpoint/2010/main" val="438682038"/>
+              </p:ext>
+            </p:extLst>
+          </p:nvPr>
         </p:nvGraphicFramePr>
         <p:xfrm>
-          <a:off x="273240" y="1974240"/>
-          <a:ext cx="4838760" cy="2841120"/>
+          <a:off x="273240" y="1974242"/>
+          <a:ext cx="4838760" cy="3411981"/>
         </p:xfrm>
         <a:graphic>
           <a:graphicData uri="http://schemas.openxmlformats.org/drawingml/2006/table">
@@ -10738,14 +10811,27 @@
                   </a:extLst>
                 </a:gridCol>
               </a:tblGrid>
-              <a:tr h="947160">
-                <a:tc>
+              <a:tr h="289241">
+                <a:tc rowSpan="3">
                   <a:txBody>
                     <a:bodyPr/>
                     <a:lstStyle/>
                     <a:p>
+                      <a:endParaRPr lang="de-DE" sz="1800" b="0" strike="noStrike" spc="-1" dirty="0">
+                        <a:solidFill>
+                          <a:srgbClr val="666666"/>
+                        </a:solidFill>
+                        <a:uFill>
+                          <a:solidFill>
+                            <a:srgbClr val="FFFFFF"/>
+                          </a:solidFill>
+                        </a:uFill>
+                        <a:latin typeface="Arial"/>
+                      </a:endParaRPr>
+                    </a:p>
+                    <a:p>
                       <a:r>
-                        <a:rPr lang="de-DE" sz="1800" b="0" strike="noStrike" spc="-1">
+                        <a:rPr lang="de-DE" sz="1800" b="0" strike="noStrike" spc="-1" dirty="0">
                           <a:solidFill>
                             <a:srgbClr val="666666"/>
                           </a:solidFill>
@@ -10761,25 +10847,41 @@
                     </a:p>
                   </a:txBody>
                   <a:tcPr marL="90000" marR="90000">
-                    <a:lnL w="720">
-                      <a:solidFill>
-                        <a:srgbClr val="000000"/>
-                      </a:solidFill>
+                    <a:lnL w="12700" cap="flat" cmpd="sng" algn="ctr">
+                      <a:solidFill>
+                        <a:schemeClr val="tx1"/>
+                      </a:solidFill>
+                      <a:prstDash val="solid"/>
+                      <a:round/>
+                      <a:headEnd type="none" w="med" len="med"/>
+                      <a:tailEnd type="none" w="med" len="med"/>
                     </a:lnL>
-                    <a:lnR w="720">
-                      <a:solidFill>
-                        <a:srgbClr val="000000"/>
-                      </a:solidFill>
+                    <a:lnR w="12700" cap="flat" cmpd="sng" algn="ctr">
+                      <a:solidFill>
+                        <a:schemeClr val="tx1"/>
+                      </a:solidFill>
+                      <a:prstDash val="solid"/>
+                      <a:round/>
+                      <a:headEnd type="none" w="med" len="med"/>
+                      <a:tailEnd type="none" w="med" len="med"/>
                     </a:lnR>
-                    <a:lnT w="720">
-                      <a:solidFill>
-                        <a:srgbClr val="000000"/>
-                      </a:solidFill>
+                    <a:lnT w="12700" cap="flat" cmpd="sng" algn="ctr">
+                      <a:solidFill>
+                        <a:schemeClr val="tx1"/>
+                      </a:solidFill>
+                      <a:prstDash val="solid"/>
+                      <a:round/>
+                      <a:headEnd type="none" w="med" len="med"/>
+                      <a:tailEnd type="none" w="med" len="med"/>
                     </a:lnT>
-                    <a:lnB w="720">
-                      <a:solidFill>
-                        <a:srgbClr val="000000"/>
-                      </a:solidFill>
+                    <a:lnB w="12700" cap="flat" cmpd="sng" algn="ctr">
+                      <a:solidFill>
+                        <a:schemeClr val="tx1"/>
+                      </a:solidFill>
+                      <a:prstDash val="solid"/>
+                      <a:round/>
+                      <a:headEnd type="none" w="med" len="med"/>
+                      <a:tailEnd type="none" w="med" len="med"/>
                     </a:lnB>
                     <a:solidFill>
                       <a:srgbClr val="FFFFFF"/>
@@ -10792,7 +10894,7 @@
                     <a:lstStyle/>
                     <a:p>
                       <a:r>
-                        <a:rPr lang="de-DE" sz="1800" b="0" strike="noStrike" spc="-1">
+                        <a:rPr lang="de-DE" sz="1800" b="0" strike="noStrike" spc="-1" dirty="0">
                           <a:solidFill>
                             <a:srgbClr val="666666"/>
                           </a:solidFill>
@@ -10806,59 +10908,43 @@
                         <a:t>Psi (ψ) (Z-Achse)</a:t>
                       </a:r>
                     </a:p>
-                    <a:p>
-                      <a:r>
-                        <a:rPr lang="de-DE" sz="1800" b="0" strike="noStrike" spc="-1">
-                          <a:solidFill>
-                            <a:srgbClr val="666666"/>
-                          </a:solidFill>
-                          <a:uFill>
-                            <a:solidFill>
-                              <a:srgbClr val="FFFFFF"/>
-                            </a:solidFill>
-                          </a:uFill>
-                          <a:latin typeface="Arial"/>
-                        </a:rPr>
-                        <a:t>Theta (θ) (Y-Achse)</a:t>
-                      </a:r>
-                    </a:p>
-                    <a:p>
-                      <a:r>
-                        <a:rPr lang="de-DE" sz="1800" b="0" strike="noStrike" spc="-1">
-                          <a:solidFill>
-                            <a:srgbClr val="666666"/>
-                          </a:solidFill>
-                          <a:uFill>
-                            <a:solidFill>
-                              <a:srgbClr val="FFFFFF"/>
-                            </a:solidFill>
-                          </a:uFill>
-                          <a:latin typeface="Arial"/>
-                        </a:rPr>
-                        <a:t>Phi (φ) (X-Achse)</a:t>
-                      </a:r>
-                    </a:p>
                   </a:txBody>
                   <a:tcPr marL="90000" marR="90000">
-                    <a:lnL w="720">
-                      <a:solidFill>
-                        <a:srgbClr val="000000"/>
-                      </a:solidFill>
+                    <a:lnL w="12700" cap="flat" cmpd="sng" algn="ctr">
+                      <a:solidFill>
+                        <a:schemeClr val="tx1"/>
+                      </a:solidFill>
+                      <a:prstDash val="solid"/>
+                      <a:round/>
+                      <a:headEnd type="none" w="med" len="med"/>
+                      <a:tailEnd type="none" w="med" len="med"/>
                     </a:lnL>
-                    <a:lnR w="720">
-                      <a:solidFill>
-                        <a:srgbClr val="000000"/>
-                      </a:solidFill>
+                    <a:lnR w="12700" cap="flat" cmpd="sng" algn="ctr">
+                      <a:solidFill>
+                        <a:schemeClr val="tx1"/>
+                      </a:solidFill>
+                      <a:prstDash val="solid"/>
+                      <a:round/>
+                      <a:headEnd type="none" w="med" len="med"/>
+                      <a:tailEnd type="none" w="med" len="med"/>
                     </a:lnR>
-                    <a:lnT w="720">
-                      <a:solidFill>
-                        <a:srgbClr val="000000"/>
-                      </a:solidFill>
+                    <a:lnT w="12700" cap="flat" cmpd="sng" algn="ctr">
+                      <a:solidFill>
+                        <a:schemeClr val="tx1"/>
+                      </a:solidFill>
+                      <a:prstDash val="solid"/>
+                      <a:round/>
+                      <a:headEnd type="none" w="med" len="med"/>
+                      <a:tailEnd type="none" w="med" len="med"/>
                     </a:lnT>
-                    <a:lnB w="720">
-                      <a:solidFill>
-                        <a:srgbClr val="000000"/>
-                      </a:solidFill>
+                    <a:lnB w="12700" cap="flat" cmpd="sng" algn="ctr">
+                      <a:solidFill>
+                        <a:schemeClr val="tx1"/>
+                      </a:solidFill>
+                      <a:prstDash val="solid"/>
+                      <a:round/>
+                      <a:headEnd type="none" w="med" len="med"/>
+                      <a:tailEnd type="none" w="med" len="med"/>
                     </a:lnB>
                     <a:solidFill>
                       <a:srgbClr val="FFFFFF"/>
@@ -10871,14 +10957,321 @@
                   </a:ext>
                 </a:extLst>
               </a:tr>
-              <a:tr h="947160">
+              <a:tr h="289241">
+                <a:tc vMerge="1">
+                  <a:txBody>
+                    <a:bodyPr/>
+                    <a:lstStyle/>
+                    <a:p>
+                      <a:endParaRPr lang="de-DE" sz="1800" b="0" strike="noStrike" spc="-1" dirty="0">
+                        <a:solidFill>
+                          <a:srgbClr val="666666"/>
+                        </a:solidFill>
+                        <a:uFill>
+                          <a:solidFill>
+                            <a:srgbClr val="FFFFFF"/>
+                          </a:solidFill>
+                        </a:uFill>
+                        <a:latin typeface="Arial"/>
+                      </a:endParaRPr>
+                    </a:p>
+                  </a:txBody>
+                  <a:tcPr marL="90000" marR="90000">
+                    <a:lnL w="12700" cap="flat" cmpd="sng" algn="ctr">
+                      <a:solidFill>
+                        <a:schemeClr val="tx1"/>
+                      </a:solidFill>
+                      <a:prstDash val="solid"/>
+                      <a:round/>
+                      <a:headEnd type="none" w="med" len="med"/>
+                      <a:tailEnd type="none" w="med" len="med"/>
+                    </a:lnL>
+                    <a:lnR w="12700" cap="flat" cmpd="sng" algn="ctr">
+                      <a:solidFill>
+                        <a:schemeClr val="tx1"/>
+                      </a:solidFill>
+                      <a:prstDash val="solid"/>
+                      <a:round/>
+                      <a:headEnd type="none" w="med" len="med"/>
+                      <a:tailEnd type="none" w="med" len="med"/>
+                    </a:lnR>
+                    <a:lnT w="12700" cap="flat" cmpd="sng" algn="ctr">
+                      <a:solidFill>
+                        <a:schemeClr val="tx1"/>
+                      </a:solidFill>
+                      <a:prstDash val="solid"/>
+                      <a:round/>
+                      <a:headEnd type="none" w="med" len="med"/>
+                      <a:tailEnd type="none" w="med" len="med"/>
+                    </a:lnT>
+                    <a:lnB w="12700" cap="flat" cmpd="sng" algn="ctr">
+                      <a:solidFill>
+                        <a:schemeClr val="tx1"/>
+                      </a:solidFill>
+                      <a:prstDash val="solid"/>
+                      <a:round/>
+                      <a:headEnd type="none" w="med" len="med"/>
+                      <a:tailEnd type="none" w="med" len="med"/>
+                    </a:lnB>
+                    <a:solidFill>
+                      <a:srgbClr val="FFFFFF"/>
+                    </a:solidFill>
+                  </a:tcPr>
+                </a:tc>
                 <a:tc>
                   <a:txBody>
                     <a:bodyPr/>
                     <a:lstStyle/>
                     <a:p>
+                      <a:pPr marL="0" marR="0" lvl="0" indent="0" algn="l" defTabSz="914400" rtl="0" eaLnBrk="1" fontAlgn="auto" latinLnBrk="0" hangingPunct="1">
+                        <a:lnSpc>
+                          <a:spcPct val="100000"/>
+                        </a:lnSpc>
+                        <a:spcBef>
+                          <a:spcPts val="0"/>
+                        </a:spcBef>
+                        <a:spcAft>
+                          <a:spcPts val="0"/>
+                        </a:spcAft>
+                        <a:buClrTx/>
+                        <a:buSzTx/>
+                        <a:buFontTx/>
+                        <a:buNone/>
+                        <a:tabLst/>
+                        <a:defRPr/>
+                      </a:pPr>
                       <a:r>
-                        <a:rPr lang="de-DE" sz="1800" b="0" strike="noStrike" spc="-1">
+                        <a:rPr lang="de-DE" sz="1800" b="0" strike="noStrike" spc="-1" dirty="0">
+                          <a:solidFill>
+                            <a:srgbClr val="666666"/>
+                          </a:solidFill>
+                          <a:uFill>
+                            <a:solidFill>
+                              <a:srgbClr val="FFFFFF"/>
+                            </a:solidFill>
+                          </a:uFill>
+                          <a:latin typeface="+mn-lt"/>
+                        </a:rPr>
+                        <a:t>Theta (θ) (Y-Achse)</a:t>
+                      </a:r>
+                    </a:p>
+                  </a:txBody>
+                  <a:tcPr marL="90000" marR="90000">
+                    <a:lnL w="12700" cap="flat" cmpd="sng" algn="ctr">
+                      <a:solidFill>
+                        <a:schemeClr val="tx1"/>
+                      </a:solidFill>
+                      <a:prstDash val="solid"/>
+                      <a:round/>
+                      <a:headEnd type="none" w="med" len="med"/>
+                      <a:tailEnd type="none" w="med" len="med"/>
+                    </a:lnL>
+                    <a:lnR w="12700" cap="flat" cmpd="sng" algn="ctr">
+                      <a:solidFill>
+                        <a:schemeClr val="tx1"/>
+                      </a:solidFill>
+                      <a:prstDash val="solid"/>
+                      <a:round/>
+                      <a:headEnd type="none" w="med" len="med"/>
+                      <a:tailEnd type="none" w="med" len="med"/>
+                    </a:lnR>
+                    <a:lnT w="12700" cap="flat" cmpd="sng" algn="ctr">
+                      <a:solidFill>
+                        <a:schemeClr val="tx1"/>
+                      </a:solidFill>
+                      <a:prstDash val="solid"/>
+                      <a:round/>
+                      <a:headEnd type="none" w="med" len="med"/>
+                      <a:tailEnd type="none" w="med" len="med"/>
+                    </a:lnT>
+                    <a:lnB w="12700" cap="flat" cmpd="sng" algn="ctr">
+                      <a:solidFill>
+                        <a:schemeClr val="tx1"/>
+                      </a:solidFill>
+                      <a:prstDash val="solid"/>
+                      <a:round/>
+                      <a:headEnd type="none" w="med" len="med"/>
+                      <a:tailEnd type="none" w="med" len="med"/>
+                    </a:lnB>
+                    <a:solidFill>
+                      <a:srgbClr val="FFFFFF"/>
+                    </a:solidFill>
+                  </a:tcPr>
+                </a:tc>
+                <a:extLst>
+                  <a:ext uri="{0D108BD9-81ED-4DB2-BD59-A6C34878D82A}">
+                    <a16:rowId xmlns:a16="http://schemas.microsoft.com/office/drawing/2014/main" val="3088641143"/>
+                  </a:ext>
+                </a:extLst>
+              </a:tr>
+              <a:tr h="289241">
+                <a:tc vMerge="1">
+                  <a:txBody>
+                    <a:bodyPr/>
+                    <a:lstStyle/>
+                    <a:p>
+                      <a:endParaRPr lang="de-DE" sz="1800" b="0" strike="noStrike" spc="-1" dirty="0">
+                        <a:solidFill>
+                          <a:srgbClr val="666666"/>
+                        </a:solidFill>
+                        <a:uFill>
+                          <a:solidFill>
+                            <a:srgbClr val="FFFFFF"/>
+                          </a:solidFill>
+                        </a:uFill>
+                        <a:latin typeface="Arial"/>
+                      </a:endParaRPr>
+                    </a:p>
+                  </a:txBody>
+                  <a:tcPr marL="90000" marR="90000">
+                    <a:lnL w="12700" cap="flat" cmpd="sng" algn="ctr">
+                      <a:solidFill>
+                        <a:schemeClr val="tx1"/>
+                      </a:solidFill>
+                      <a:prstDash val="solid"/>
+                      <a:round/>
+                      <a:headEnd type="none" w="med" len="med"/>
+                      <a:tailEnd type="none" w="med" len="med"/>
+                    </a:lnL>
+                    <a:lnR w="12700" cap="flat" cmpd="sng" algn="ctr">
+                      <a:solidFill>
+                        <a:schemeClr val="tx1"/>
+                      </a:solidFill>
+                      <a:prstDash val="solid"/>
+                      <a:round/>
+                      <a:headEnd type="none" w="med" len="med"/>
+                      <a:tailEnd type="none" w="med" len="med"/>
+                    </a:lnR>
+                    <a:lnT w="12700" cap="flat" cmpd="sng" algn="ctr">
+                      <a:solidFill>
+                        <a:schemeClr val="tx1"/>
+                      </a:solidFill>
+                      <a:prstDash val="solid"/>
+                      <a:round/>
+                      <a:headEnd type="none" w="med" len="med"/>
+                      <a:tailEnd type="none" w="med" len="med"/>
+                    </a:lnT>
+                    <a:lnB w="12700" cap="flat" cmpd="sng" algn="ctr">
+                      <a:solidFill>
+                        <a:schemeClr val="tx1"/>
+                      </a:solidFill>
+                      <a:prstDash val="solid"/>
+                      <a:round/>
+                      <a:headEnd type="none" w="med" len="med"/>
+                      <a:tailEnd type="none" w="med" len="med"/>
+                    </a:lnB>
+                    <a:solidFill>
+                      <a:srgbClr val="FFFFFF"/>
+                    </a:solidFill>
+                  </a:tcPr>
+                </a:tc>
+                <a:tc>
+                  <a:txBody>
+                    <a:bodyPr/>
+                    <a:lstStyle/>
+                    <a:p>
+                      <a:pPr marL="0" marR="0" lvl="0" indent="0" algn="l" defTabSz="914400" rtl="0" eaLnBrk="1" fontAlgn="auto" latinLnBrk="0" hangingPunct="1">
+                        <a:lnSpc>
+                          <a:spcPct val="100000"/>
+                        </a:lnSpc>
+                        <a:spcBef>
+                          <a:spcPts val="0"/>
+                        </a:spcBef>
+                        <a:spcAft>
+                          <a:spcPts val="0"/>
+                        </a:spcAft>
+                        <a:buClrTx/>
+                        <a:buSzTx/>
+                        <a:buFontTx/>
+                        <a:buNone/>
+                        <a:tabLst/>
+                        <a:defRPr/>
+                      </a:pPr>
+                      <a:r>
+                        <a:rPr lang="de-DE" sz="1800" b="0" strike="noStrike" spc="-1" dirty="0">
+                          <a:solidFill>
+                            <a:srgbClr val="666666"/>
+                          </a:solidFill>
+                          <a:uFill>
+                            <a:solidFill>
+                              <a:srgbClr val="FFFFFF"/>
+                            </a:solidFill>
+                          </a:uFill>
+                          <a:latin typeface="+mn-lt"/>
+                        </a:rPr>
+                        <a:t>Phi (φ) (X-Achse)</a:t>
+                      </a:r>
+                    </a:p>
+                  </a:txBody>
+                  <a:tcPr marL="90000" marR="90000">
+                    <a:lnL w="12700" cap="flat" cmpd="sng" algn="ctr">
+                      <a:solidFill>
+                        <a:schemeClr val="tx1"/>
+                      </a:solidFill>
+                      <a:prstDash val="solid"/>
+                      <a:round/>
+                      <a:headEnd type="none" w="med" len="med"/>
+                      <a:tailEnd type="none" w="med" len="med"/>
+                    </a:lnL>
+                    <a:lnR w="12700" cap="flat" cmpd="sng" algn="ctr">
+                      <a:solidFill>
+                        <a:schemeClr val="tx1"/>
+                      </a:solidFill>
+                      <a:prstDash val="solid"/>
+                      <a:round/>
+                      <a:headEnd type="none" w="med" len="med"/>
+                      <a:tailEnd type="none" w="med" len="med"/>
+                    </a:lnR>
+                    <a:lnT w="12700" cap="flat" cmpd="sng" algn="ctr">
+                      <a:solidFill>
+                        <a:schemeClr val="tx1"/>
+                      </a:solidFill>
+                      <a:prstDash val="solid"/>
+                      <a:round/>
+                      <a:headEnd type="none" w="med" len="med"/>
+                      <a:tailEnd type="none" w="med" len="med"/>
+                    </a:lnT>
+                    <a:lnB w="12700" cap="flat" cmpd="sng" algn="ctr">
+                      <a:solidFill>
+                        <a:schemeClr val="tx1"/>
+                      </a:solidFill>
+                      <a:prstDash val="solid"/>
+                      <a:round/>
+                      <a:headEnd type="none" w="med" len="med"/>
+                      <a:tailEnd type="none" w="med" len="med"/>
+                    </a:lnB>
+                    <a:solidFill>
+                      <a:srgbClr val="FFFFFF"/>
+                    </a:solidFill>
+                  </a:tcPr>
+                </a:tc>
+                <a:extLst>
+                  <a:ext uri="{0D108BD9-81ED-4DB2-BD59-A6C34878D82A}">
+                    <a16:rowId xmlns:a16="http://schemas.microsoft.com/office/drawing/2014/main" val="147761425"/>
+                  </a:ext>
+                </a:extLst>
+              </a:tr>
+              <a:tr h="289241">
+                <a:tc rowSpan="3">
+                  <a:txBody>
+                    <a:bodyPr/>
+                    <a:lstStyle/>
+                    <a:p>
+                      <a:endParaRPr lang="de-DE" sz="1800" b="0" strike="noStrike" spc="-1" dirty="0">
+                        <a:solidFill>
+                          <a:srgbClr val="666666"/>
+                        </a:solidFill>
+                        <a:uFill>
+                          <a:solidFill>
+                            <a:srgbClr val="FFFFFF"/>
+                          </a:solidFill>
+                        </a:uFill>
+                        <a:latin typeface="Arial"/>
+                      </a:endParaRPr>
+                    </a:p>
+                    <a:p>
+                      <a:r>
+                        <a:rPr lang="de-DE" sz="1800" b="0" strike="noStrike" spc="-1" dirty="0">
                           <a:solidFill>
                             <a:srgbClr val="666666"/>
                           </a:solidFill>
@@ -10894,25 +11287,41 @@
                     </a:p>
                   </a:txBody>
                   <a:tcPr marL="90000" marR="90000">
-                    <a:lnL w="720">
-                      <a:solidFill>
-                        <a:srgbClr val="000000"/>
-                      </a:solidFill>
+                    <a:lnL w="12700" cap="flat" cmpd="sng" algn="ctr">
+                      <a:solidFill>
+                        <a:schemeClr val="tx1"/>
+                      </a:solidFill>
+                      <a:prstDash val="solid"/>
+                      <a:round/>
+                      <a:headEnd type="none" w="med" len="med"/>
+                      <a:tailEnd type="none" w="med" len="med"/>
                     </a:lnL>
-                    <a:lnR w="720">
-                      <a:solidFill>
-                        <a:srgbClr val="000000"/>
-                      </a:solidFill>
+                    <a:lnR w="12700" cap="flat" cmpd="sng" algn="ctr">
+                      <a:solidFill>
+                        <a:schemeClr val="tx1"/>
+                      </a:solidFill>
+                      <a:prstDash val="solid"/>
+                      <a:round/>
+                      <a:headEnd type="none" w="med" len="med"/>
+                      <a:tailEnd type="none" w="med" len="med"/>
                     </a:lnR>
-                    <a:lnT w="720">
-                      <a:solidFill>
-                        <a:srgbClr val="000000"/>
-                      </a:solidFill>
+                    <a:lnT w="12700" cap="flat" cmpd="sng" algn="ctr">
+                      <a:solidFill>
+                        <a:schemeClr val="tx1"/>
+                      </a:solidFill>
+                      <a:prstDash val="solid"/>
+                      <a:round/>
+                      <a:headEnd type="none" w="med" len="med"/>
+                      <a:tailEnd type="none" w="med" len="med"/>
                     </a:lnT>
-                    <a:lnB w="720">
-                      <a:solidFill>
-                        <a:srgbClr val="000000"/>
-                      </a:solidFill>
+                    <a:lnB w="12700" cap="flat" cmpd="sng" algn="ctr">
+                      <a:solidFill>
+                        <a:schemeClr val="tx1"/>
+                      </a:solidFill>
+                      <a:prstDash val="solid"/>
+                      <a:round/>
+                      <a:headEnd type="none" w="med" len="med"/>
+                      <a:tailEnd type="none" w="med" len="med"/>
                     </a:lnB>
                     <a:solidFill>
                       <a:srgbClr val="FFFFFF"/>
@@ -10925,7 +11334,7 @@
                     <a:lstStyle/>
                     <a:p>
                       <a:r>
-                        <a:rPr lang="de-DE" sz="1800" b="0" strike="noStrike" spc="-1">
+                        <a:rPr lang="de-DE" sz="1800" b="0" strike="noStrike" spc="-1" dirty="0">
                           <a:solidFill>
                             <a:srgbClr val="666666"/>
                           </a:solidFill>
@@ -10936,12 +11345,10 @@
                           </a:uFill>
                           <a:latin typeface="Arial"/>
                         </a:rPr>
-                        <a:t>x-component</a:t>
+                        <a:t>x-</a:t>
                       </a:r>
-                    </a:p>
-                    <a:p>
                       <a:r>
-                        <a:rPr lang="de-DE" sz="1800" b="0" strike="noStrike" spc="-1">
+                        <a:rPr lang="de-DE" sz="1800" b="0" strike="noStrike" spc="-1" dirty="0" err="1">
                           <a:solidFill>
                             <a:srgbClr val="666666"/>
                           </a:solidFill>
@@ -10952,46 +11359,57 @@
                           </a:uFill>
                           <a:latin typeface="Arial"/>
                         </a:rPr>
-                        <a:t>y-component</a:t>
+                        <a:t>component</a:t>
                       </a:r>
-                    </a:p>
-                    <a:p>
-                      <a:r>
-                        <a:rPr lang="de-DE" sz="1800" b="0" strike="noStrike" spc="-1">
+                      <a:endParaRPr lang="de-DE" sz="1800" b="0" strike="noStrike" spc="-1" dirty="0">
+                        <a:solidFill>
+                          <a:srgbClr val="666666"/>
+                        </a:solidFill>
+                        <a:uFill>
                           <a:solidFill>
-                            <a:srgbClr val="666666"/>
+                            <a:srgbClr val="FFFFFF"/>
                           </a:solidFill>
-                          <a:uFill>
-                            <a:solidFill>
-                              <a:srgbClr val="FFFFFF"/>
-                            </a:solidFill>
-                          </a:uFill>
-                          <a:latin typeface="Arial"/>
-                        </a:rPr>
-                        <a:t>z-component</a:t>
-                      </a:r>
+                        </a:uFill>
+                        <a:latin typeface="Arial"/>
+                      </a:endParaRPr>
                     </a:p>
                   </a:txBody>
                   <a:tcPr marL="90000" marR="90000">
-                    <a:lnL w="720">
-                      <a:solidFill>
-                        <a:srgbClr val="000000"/>
-                      </a:solidFill>
+                    <a:lnL w="12700" cap="flat" cmpd="sng" algn="ctr">
+                      <a:solidFill>
+                        <a:schemeClr val="tx1"/>
+                      </a:solidFill>
+                      <a:prstDash val="solid"/>
+                      <a:round/>
+                      <a:headEnd type="none" w="med" len="med"/>
+                      <a:tailEnd type="none" w="med" len="med"/>
                     </a:lnL>
-                    <a:lnR w="720">
-                      <a:solidFill>
-                        <a:srgbClr val="000000"/>
-                      </a:solidFill>
+                    <a:lnR w="12700" cap="flat" cmpd="sng" algn="ctr">
+                      <a:solidFill>
+                        <a:schemeClr val="tx1"/>
+                      </a:solidFill>
+                      <a:prstDash val="solid"/>
+                      <a:round/>
+                      <a:headEnd type="none" w="med" len="med"/>
+                      <a:tailEnd type="none" w="med" len="med"/>
                     </a:lnR>
-                    <a:lnT w="720">
-                      <a:solidFill>
-                        <a:srgbClr val="000000"/>
-                      </a:solidFill>
+                    <a:lnT w="12700" cap="flat" cmpd="sng" algn="ctr">
+                      <a:solidFill>
+                        <a:schemeClr val="tx1"/>
+                      </a:solidFill>
+                      <a:prstDash val="solid"/>
+                      <a:round/>
+                      <a:headEnd type="none" w="med" len="med"/>
+                      <a:tailEnd type="none" w="med" len="med"/>
                     </a:lnT>
-                    <a:lnB w="720">
-                      <a:solidFill>
-                        <a:srgbClr val="000000"/>
-                      </a:solidFill>
+                    <a:lnB w="12700" cap="flat" cmpd="sng" algn="ctr">
+                      <a:solidFill>
+                        <a:schemeClr val="tx1"/>
+                      </a:solidFill>
+                      <a:prstDash val="solid"/>
+                      <a:round/>
+                      <a:headEnd type="none" w="med" len="med"/>
+                      <a:tailEnd type="none" w="med" len="med"/>
                     </a:lnB>
                     <a:solidFill>
                       <a:srgbClr val="FFFFFF"/>
@@ -11004,14 +11422,354 @@
                   </a:ext>
                 </a:extLst>
               </a:tr>
-              <a:tr h="946800">
+              <a:tr h="289241">
+                <a:tc vMerge="1">
+                  <a:txBody>
+                    <a:bodyPr/>
+                    <a:lstStyle/>
+                    <a:p>
+                      <a:endParaRPr lang="de-DE" sz="1800" b="0" strike="noStrike" spc="-1" dirty="0">
+                        <a:solidFill>
+                          <a:srgbClr val="666666"/>
+                        </a:solidFill>
+                        <a:uFill>
+                          <a:solidFill>
+                            <a:srgbClr val="FFFFFF"/>
+                          </a:solidFill>
+                        </a:uFill>
+                        <a:latin typeface="Arial"/>
+                      </a:endParaRPr>
+                    </a:p>
+                  </a:txBody>
+                  <a:tcPr marL="90000" marR="90000">
+                    <a:lnL w="12700" cap="flat" cmpd="sng" algn="ctr">
+                      <a:solidFill>
+                        <a:schemeClr val="tx1"/>
+                      </a:solidFill>
+                      <a:prstDash val="solid"/>
+                      <a:round/>
+                      <a:headEnd type="none" w="med" len="med"/>
+                      <a:tailEnd type="none" w="med" len="med"/>
+                    </a:lnL>
+                    <a:lnR w="12700" cap="flat" cmpd="sng" algn="ctr">
+                      <a:solidFill>
+                        <a:schemeClr val="tx1"/>
+                      </a:solidFill>
+                      <a:prstDash val="solid"/>
+                      <a:round/>
+                      <a:headEnd type="none" w="med" len="med"/>
+                      <a:tailEnd type="none" w="med" len="med"/>
+                    </a:lnR>
+                    <a:lnT w="12700" cap="flat" cmpd="sng" algn="ctr">
+                      <a:solidFill>
+                        <a:schemeClr val="tx1"/>
+                      </a:solidFill>
+                      <a:prstDash val="solid"/>
+                      <a:round/>
+                      <a:headEnd type="none" w="med" len="med"/>
+                      <a:tailEnd type="none" w="med" len="med"/>
+                    </a:lnT>
+                    <a:lnB w="12700" cap="flat" cmpd="sng" algn="ctr">
+                      <a:solidFill>
+                        <a:schemeClr val="tx1"/>
+                      </a:solidFill>
+                      <a:prstDash val="solid"/>
+                      <a:round/>
+                      <a:headEnd type="none" w="med" len="med"/>
+                      <a:tailEnd type="none" w="med" len="med"/>
+                    </a:lnB>
+                    <a:solidFill>
+                      <a:srgbClr val="FFFFFF"/>
+                    </a:solidFill>
+                  </a:tcPr>
+                </a:tc>
                 <a:tc>
                   <a:txBody>
                     <a:bodyPr/>
                     <a:lstStyle/>
                     <a:p>
                       <a:r>
-                        <a:rPr lang="de-DE" sz="1800" b="0" strike="noStrike" spc="-1">
+                        <a:rPr lang="de-DE" sz="1800" b="0" strike="noStrike" spc="-1" dirty="0">
+                          <a:solidFill>
+                            <a:srgbClr val="666666"/>
+                          </a:solidFill>
+                          <a:uFill>
+                            <a:solidFill>
+                              <a:srgbClr val="FFFFFF"/>
+                            </a:solidFill>
+                          </a:uFill>
+                          <a:latin typeface="+mn-lt"/>
+                        </a:rPr>
+                        <a:t>y-</a:t>
+                      </a:r>
+                      <a:r>
+                        <a:rPr lang="de-DE" sz="1800" b="0" strike="noStrike" spc="-1" dirty="0" err="1">
+                          <a:solidFill>
+                            <a:srgbClr val="666666"/>
+                          </a:solidFill>
+                          <a:uFill>
+                            <a:solidFill>
+                              <a:srgbClr val="FFFFFF"/>
+                            </a:solidFill>
+                          </a:uFill>
+                          <a:latin typeface="+mn-lt"/>
+                        </a:rPr>
+                        <a:t>component</a:t>
+                      </a:r>
+                      <a:endParaRPr lang="de-DE" sz="1800" b="0" strike="noStrike" spc="-1" dirty="0">
+                        <a:solidFill>
+                          <a:srgbClr val="666666"/>
+                        </a:solidFill>
+                        <a:uFill>
+                          <a:solidFill>
+                            <a:srgbClr val="FFFFFF"/>
+                          </a:solidFill>
+                        </a:uFill>
+                        <a:latin typeface="Arial"/>
+                      </a:endParaRPr>
+                    </a:p>
+                  </a:txBody>
+                  <a:tcPr marL="90000" marR="90000">
+                    <a:lnL w="12700" cap="flat" cmpd="sng" algn="ctr">
+                      <a:solidFill>
+                        <a:schemeClr val="tx1"/>
+                      </a:solidFill>
+                      <a:prstDash val="solid"/>
+                      <a:round/>
+                      <a:headEnd type="none" w="med" len="med"/>
+                      <a:tailEnd type="none" w="med" len="med"/>
+                    </a:lnL>
+                    <a:lnR w="12700" cap="flat" cmpd="sng" algn="ctr">
+                      <a:solidFill>
+                        <a:schemeClr val="tx1"/>
+                      </a:solidFill>
+                      <a:prstDash val="solid"/>
+                      <a:round/>
+                      <a:headEnd type="none" w="med" len="med"/>
+                      <a:tailEnd type="none" w="med" len="med"/>
+                    </a:lnR>
+                    <a:lnT w="12700" cap="flat" cmpd="sng" algn="ctr">
+                      <a:solidFill>
+                        <a:schemeClr val="tx1"/>
+                      </a:solidFill>
+                      <a:prstDash val="solid"/>
+                      <a:round/>
+                      <a:headEnd type="none" w="med" len="med"/>
+                      <a:tailEnd type="none" w="med" len="med"/>
+                    </a:lnT>
+                    <a:lnB w="12700" cap="flat" cmpd="sng" algn="ctr">
+                      <a:solidFill>
+                        <a:schemeClr val="tx1"/>
+                      </a:solidFill>
+                      <a:prstDash val="solid"/>
+                      <a:round/>
+                      <a:headEnd type="none" w="med" len="med"/>
+                      <a:tailEnd type="none" w="med" len="med"/>
+                    </a:lnB>
+                    <a:solidFill>
+                      <a:srgbClr val="FFFFFF"/>
+                    </a:solidFill>
+                  </a:tcPr>
+                </a:tc>
+                <a:extLst>
+                  <a:ext uri="{0D108BD9-81ED-4DB2-BD59-A6C34878D82A}">
+                    <a16:rowId xmlns:a16="http://schemas.microsoft.com/office/drawing/2014/main" val="2813598531"/>
+                  </a:ext>
+                </a:extLst>
+              </a:tr>
+              <a:tr h="289241">
+                <a:tc vMerge="1">
+                  <a:txBody>
+                    <a:bodyPr/>
+                    <a:lstStyle/>
+                    <a:p>
+                      <a:endParaRPr lang="de-DE" sz="1800" b="0" strike="noStrike" spc="-1" dirty="0">
+                        <a:solidFill>
+                          <a:srgbClr val="666666"/>
+                        </a:solidFill>
+                        <a:uFill>
+                          <a:solidFill>
+                            <a:srgbClr val="FFFFFF"/>
+                          </a:solidFill>
+                        </a:uFill>
+                        <a:latin typeface="Arial"/>
+                      </a:endParaRPr>
+                    </a:p>
+                  </a:txBody>
+                  <a:tcPr marL="90000" marR="90000">
+                    <a:lnL w="12700" cap="flat" cmpd="sng" algn="ctr">
+                      <a:solidFill>
+                        <a:schemeClr val="tx1"/>
+                      </a:solidFill>
+                      <a:prstDash val="solid"/>
+                      <a:round/>
+                      <a:headEnd type="none" w="med" len="med"/>
+                      <a:tailEnd type="none" w="med" len="med"/>
+                    </a:lnL>
+                    <a:lnR w="12700" cap="flat" cmpd="sng" algn="ctr">
+                      <a:solidFill>
+                        <a:schemeClr val="tx1"/>
+                      </a:solidFill>
+                      <a:prstDash val="solid"/>
+                      <a:round/>
+                      <a:headEnd type="none" w="med" len="med"/>
+                      <a:tailEnd type="none" w="med" len="med"/>
+                    </a:lnR>
+                    <a:lnT w="12700" cap="flat" cmpd="sng" algn="ctr">
+                      <a:solidFill>
+                        <a:schemeClr val="tx1"/>
+                      </a:solidFill>
+                      <a:prstDash val="solid"/>
+                      <a:round/>
+                      <a:headEnd type="none" w="med" len="med"/>
+                      <a:tailEnd type="none" w="med" len="med"/>
+                    </a:lnT>
+                    <a:lnB w="12700" cap="flat" cmpd="sng" algn="ctr">
+                      <a:solidFill>
+                        <a:schemeClr val="tx1"/>
+                      </a:solidFill>
+                      <a:prstDash val="solid"/>
+                      <a:round/>
+                      <a:headEnd type="none" w="med" len="med"/>
+                      <a:tailEnd type="none" w="med" len="med"/>
+                    </a:lnB>
+                    <a:solidFill>
+                      <a:srgbClr val="FFFFFF"/>
+                    </a:solidFill>
+                  </a:tcPr>
+                </a:tc>
+                <a:tc>
+                  <a:txBody>
+                    <a:bodyPr/>
+                    <a:lstStyle/>
+                    <a:p>
+                      <a:pPr marL="0" marR="0" lvl="0" indent="0" algn="l" defTabSz="914400" rtl="0" eaLnBrk="1" fontAlgn="auto" latinLnBrk="0" hangingPunct="1">
+                        <a:lnSpc>
+                          <a:spcPct val="100000"/>
+                        </a:lnSpc>
+                        <a:spcBef>
+                          <a:spcPts val="0"/>
+                        </a:spcBef>
+                        <a:spcAft>
+                          <a:spcPts val="0"/>
+                        </a:spcAft>
+                        <a:buClrTx/>
+                        <a:buSzTx/>
+                        <a:buFontTx/>
+                        <a:buNone/>
+                        <a:tabLst/>
+                        <a:defRPr/>
+                      </a:pPr>
+                      <a:r>
+                        <a:rPr lang="de-DE" sz="1800" b="0" strike="noStrike" spc="-1" dirty="0">
+                          <a:solidFill>
+                            <a:srgbClr val="666666"/>
+                          </a:solidFill>
+                          <a:uFill>
+                            <a:solidFill>
+                              <a:srgbClr val="FFFFFF"/>
+                            </a:solidFill>
+                          </a:uFill>
+                          <a:latin typeface="+mn-lt"/>
+                        </a:rPr>
+                        <a:t>z-</a:t>
+                      </a:r>
+                      <a:r>
+                        <a:rPr lang="de-DE" sz="1800" b="0" strike="noStrike" spc="-1" dirty="0" err="1">
+                          <a:solidFill>
+                            <a:srgbClr val="666666"/>
+                          </a:solidFill>
+                          <a:uFill>
+                            <a:solidFill>
+                              <a:srgbClr val="FFFFFF"/>
+                            </a:solidFill>
+                          </a:uFill>
+                          <a:latin typeface="+mn-lt"/>
+                        </a:rPr>
+                        <a:t>component</a:t>
+                      </a:r>
+                      <a:endParaRPr lang="de-DE" sz="1800" b="0" strike="noStrike" spc="-1" dirty="0">
+                        <a:solidFill>
+                          <a:srgbClr val="666666"/>
+                        </a:solidFill>
+                        <a:uFill>
+                          <a:solidFill>
+                            <a:srgbClr val="FFFFFF"/>
+                          </a:solidFill>
+                        </a:uFill>
+                        <a:latin typeface="+mn-lt"/>
+                      </a:endParaRPr>
+                    </a:p>
+                  </a:txBody>
+                  <a:tcPr marL="90000" marR="90000">
+                    <a:lnL w="12700" cap="flat" cmpd="sng" algn="ctr">
+                      <a:solidFill>
+                        <a:schemeClr val="tx1"/>
+                      </a:solidFill>
+                      <a:prstDash val="solid"/>
+                      <a:round/>
+                      <a:headEnd type="none" w="med" len="med"/>
+                      <a:tailEnd type="none" w="med" len="med"/>
+                    </a:lnL>
+                    <a:lnR w="12700" cap="flat" cmpd="sng" algn="ctr">
+                      <a:solidFill>
+                        <a:schemeClr val="tx1"/>
+                      </a:solidFill>
+                      <a:prstDash val="solid"/>
+                      <a:round/>
+                      <a:headEnd type="none" w="med" len="med"/>
+                      <a:tailEnd type="none" w="med" len="med"/>
+                    </a:lnR>
+                    <a:lnT w="12700" cap="flat" cmpd="sng" algn="ctr">
+                      <a:solidFill>
+                        <a:schemeClr val="tx1"/>
+                      </a:solidFill>
+                      <a:prstDash val="solid"/>
+                      <a:round/>
+                      <a:headEnd type="none" w="med" len="med"/>
+                      <a:tailEnd type="none" w="med" len="med"/>
+                    </a:lnT>
+                    <a:lnB w="12700" cap="flat" cmpd="sng" algn="ctr">
+                      <a:solidFill>
+                        <a:schemeClr val="tx1"/>
+                      </a:solidFill>
+                      <a:prstDash val="solid"/>
+                      <a:round/>
+                      <a:headEnd type="none" w="med" len="med"/>
+                      <a:tailEnd type="none" w="med" len="med"/>
+                    </a:lnB>
+                    <a:solidFill>
+                      <a:srgbClr val="FFFFFF"/>
+                    </a:solidFill>
+                  </a:tcPr>
+                </a:tc>
+                <a:extLst>
+                  <a:ext uri="{0D108BD9-81ED-4DB2-BD59-A6C34878D82A}">
+                    <a16:rowId xmlns:a16="http://schemas.microsoft.com/office/drawing/2014/main" val="2692261232"/>
+                  </a:ext>
+                </a:extLst>
+              </a:tr>
+              <a:tr h="405807">
+                <a:tc rowSpan="3">
+                  <a:txBody>
+                    <a:bodyPr/>
+                    <a:lstStyle/>
+                    <a:p>
+                      <a:endParaRPr lang="de-DE" sz="1800" b="0" strike="noStrike" spc="-1" dirty="0">
+                        <a:solidFill>
+                          <a:srgbClr val="666666"/>
+                        </a:solidFill>
+                        <a:uFill>
+                          <a:solidFill>
+                            <a:srgbClr val="FFFFFF"/>
+                          </a:solidFill>
+                        </a:uFill>
+                        <a:latin typeface="Arial"/>
+                      </a:endParaRPr>
+                    </a:p>
+                    <a:p>
+                      <a:r>
+                        <a:rPr lang="de-DE" sz="1800" b="0" strike="noStrike" spc="-1" dirty="0">
                           <a:solidFill>
                             <a:srgbClr val="666666"/>
                           </a:solidFill>
@@ -11027,25 +11785,41 @@
                     </a:p>
                   </a:txBody>
                   <a:tcPr marL="90000" marR="90000">
-                    <a:lnL w="720">
-                      <a:solidFill>
-                        <a:srgbClr val="000000"/>
-                      </a:solidFill>
+                    <a:lnL w="12700" cap="flat" cmpd="sng" algn="ctr">
+                      <a:solidFill>
+                        <a:schemeClr val="tx1"/>
+                      </a:solidFill>
+                      <a:prstDash val="solid"/>
+                      <a:round/>
+                      <a:headEnd type="none" w="med" len="med"/>
+                      <a:tailEnd type="none" w="med" len="med"/>
                     </a:lnL>
-                    <a:lnR w="720">
-                      <a:solidFill>
-                        <a:srgbClr val="000000"/>
-                      </a:solidFill>
+                    <a:lnR w="12700" cap="flat" cmpd="sng" algn="ctr">
+                      <a:solidFill>
+                        <a:schemeClr val="tx1"/>
+                      </a:solidFill>
+                      <a:prstDash val="solid"/>
+                      <a:round/>
+                      <a:headEnd type="none" w="med" len="med"/>
+                      <a:tailEnd type="none" w="med" len="med"/>
                     </a:lnR>
-                    <a:lnT w="720">
-                      <a:solidFill>
-                        <a:srgbClr val="000000"/>
-                      </a:solidFill>
+                    <a:lnT w="12700" cap="flat" cmpd="sng" algn="ctr">
+                      <a:solidFill>
+                        <a:schemeClr val="tx1"/>
+                      </a:solidFill>
+                      <a:prstDash val="solid"/>
+                      <a:round/>
+                      <a:headEnd type="none" w="med" len="med"/>
+                      <a:tailEnd type="none" w="med" len="med"/>
                     </a:lnT>
-                    <a:lnB w="720">
-                      <a:solidFill>
-                        <a:srgbClr val="000000"/>
-                      </a:solidFill>
+                    <a:lnB w="12700" cap="flat" cmpd="sng" algn="ctr">
+                      <a:solidFill>
+                        <a:schemeClr val="tx1"/>
+                      </a:solidFill>
+                      <a:prstDash val="solid"/>
+                      <a:round/>
+                      <a:headEnd type="none" w="med" len="med"/>
+                      <a:tailEnd type="none" w="med" len="med"/>
                     </a:lnB>
                     <a:solidFill>
                       <a:srgbClr val="FFFFFF"/>
@@ -11058,7 +11832,7 @@
                     <a:lstStyle/>
                     <a:p>
                       <a:r>
-                        <a:rPr lang="de-DE" sz="1800" b="0" strike="noStrike" spc="-1">
+                        <a:rPr lang="de-DE" sz="1800" b="0" strike="noStrike" spc="-1" dirty="0">
                           <a:solidFill>
                             <a:srgbClr val="666666"/>
                           </a:solidFill>
@@ -11069,12 +11843,10 @@
                           </a:uFill>
                           <a:latin typeface="Arial"/>
                         </a:rPr>
-                        <a:t>X-component</a:t>
+                        <a:t>X-</a:t>
                       </a:r>
-                    </a:p>
-                    <a:p>
                       <a:r>
-                        <a:rPr lang="de-DE" sz="1800" b="0" strike="noStrike" spc="-1">
+                        <a:rPr lang="de-DE" sz="1800" b="0" strike="noStrike" spc="-1" dirty="0" err="1">
                           <a:solidFill>
                             <a:srgbClr val="666666"/>
                           </a:solidFill>
@@ -11085,46 +11857,57 @@
                           </a:uFill>
                           <a:latin typeface="Arial"/>
                         </a:rPr>
-                        <a:t>Y-component</a:t>
+                        <a:t>component</a:t>
                       </a:r>
-                    </a:p>
-                    <a:p>
-                      <a:r>
-                        <a:rPr lang="de-DE" sz="1800" b="0" strike="noStrike" spc="-1">
+                      <a:endParaRPr lang="de-DE" sz="1800" b="0" strike="noStrike" spc="-1" dirty="0">
+                        <a:solidFill>
+                          <a:srgbClr val="666666"/>
+                        </a:solidFill>
+                        <a:uFill>
                           <a:solidFill>
-                            <a:srgbClr val="666666"/>
+                            <a:srgbClr val="FFFFFF"/>
                           </a:solidFill>
-                          <a:uFill>
-                            <a:solidFill>
-                              <a:srgbClr val="FFFFFF"/>
-                            </a:solidFill>
-                          </a:uFill>
-                          <a:latin typeface="Arial"/>
-                        </a:rPr>
-                        <a:t>Z-component</a:t>
-                      </a:r>
+                        </a:uFill>
+                        <a:latin typeface="Arial"/>
+                      </a:endParaRPr>
                     </a:p>
                   </a:txBody>
                   <a:tcPr marL="90000" marR="90000">
-                    <a:lnL w="720">
-                      <a:solidFill>
-                        <a:srgbClr val="000000"/>
-                      </a:solidFill>
+                    <a:lnL w="12700" cap="flat" cmpd="sng" algn="ctr">
+                      <a:solidFill>
+                        <a:schemeClr val="tx1"/>
+                      </a:solidFill>
+                      <a:prstDash val="solid"/>
+                      <a:round/>
+                      <a:headEnd type="none" w="med" len="med"/>
+                      <a:tailEnd type="none" w="med" len="med"/>
                     </a:lnL>
-                    <a:lnR w="720">
-                      <a:solidFill>
-                        <a:srgbClr val="000000"/>
-                      </a:solidFill>
+                    <a:lnR w="12700" cap="flat" cmpd="sng" algn="ctr">
+                      <a:solidFill>
+                        <a:schemeClr val="tx1"/>
+                      </a:solidFill>
+                      <a:prstDash val="solid"/>
+                      <a:round/>
+                      <a:headEnd type="none" w="med" len="med"/>
+                      <a:tailEnd type="none" w="med" len="med"/>
                     </a:lnR>
-                    <a:lnT w="720">
-                      <a:solidFill>
-                        <a:srgbClr val="000000"/>
-                      </a:solidFill>
+                    <a:lnT w="12700" cap="flat" cmpd="sng" algn="ctr">
+                      <a:solidFill>
+                        <a:schemeClr val="tx1"/>
+                      </a:solidFill>
+                      <a:prstDash val="solid"/>
+                      <a:round/>
+                      <a:headEnd type="none" w="med" len="med"/>
+                      <a:tailEnd type="none" w="med" len="med"/>
                     </a:lnT>
-                    <a:lnB w="720">
-                      <a:solidFill>
-                        <a:srgbClr val="000000"/>
-                      </a:solidFill>
+                    <a:lnB w="12700" cap="flat" cmpd="sng" algn="ctr">
+                      <a:solidFill>
+                        <a:schemeClr val="tx1"/>
+                      </a:solidFill>
+                      <a:prstDash val="solid"/>
+                      <a:round/>
+                      <a:headEnd type="none" w="med" len="med"/>
+                      <a:tailEnd type="none" w="med" len="med"/>
                     </a:lnB>
                     <a:solidFill>
                       <a:srgbClr val="FFFFFF"/>
@@ -11134,6 +11917,333 @@
                 <a:extLst>
                   <a:ext uri="{0D108BD9-81ED-4DB2-BD59-A6C34878D82A}">
                     <a16:rowId xmlns:a16="http://schemas.microsoft.com/office/drawing/2014/main" val="10002"/>
+                  </a:ext>
+                </a:extLst>
+              </a:tr>
+              <a:tr h="405807">
+                <a:tc vMerge="1">
+                  <a:txBody>
+                    <a:bodyPr/>
+                    <a:lstStyle/>
+                    <a:p>
+                      <a:endParaRPr lang="de-DE" sz="1800" b="0" strike="noStrike" spc="-1" dirty="0">
+                        <a:solidFill>
+                          <a:srgbClr val="666666"/>
+                        </a:solidFill>
+                        <a:uFill>
+                          <a:solidFill>
+                            <a:srgbClr val="FFFFFF"/>
+                          </a:solidFill>
+                        </a:uFill>
+                        <a:latin typeface="Arial"/>
+                      </a:endParaRPr>
+                    </a:p>
+                  </a:txBody>
+                  <a:tcPr marL="90000" marR="90000">
+                    <a:lnL w="12700" cap="flat" cmpd="sng" algn="ctr">
+                      <a:solidFill>
+                        <a:schemeClr val="tx1"/>
+                      </a:solidFill>
+                      <a:prstDash val="solid"/>
+                      <a:round/>
+                      <a:headEnd type="none" w="med" len="med"/>
+                      <a:tailEnd type="none" w="med" len="med"/>
+                    </a:lnL>
+                    <a:lnR w="12700" cap="flat" cmpd="sng" algn="ctr">
+                      <a:solidFill>
+                        <a:schemeClr val="tx1"/>
+                      </a:solidFill>
+                      <a:prstDash val="solid"/>
+                      <a:round/>
+                      <a:headEnd type="none" w="med" len="med"/>
+                      <a:tailEnd type="none" w="med" len="med"/>
+                    </a:lnR>
+                    <a:lnT w="12700" cap="flat" cmpd="sng" algn="ctr">
+                      <a:solidFill>
+                        <a:schemeClr val="tx1"/>
+                      </a:solidFill>
+                      <a:prstDash val="solid"/>
+                      <a:round/>
+                      <a:headEnd type="none" w="med" len="med"/>
+                      <a:tailEnd type="none" w="med" len="med"/>
+                    </a:lnT>
+                    <a:lnB w="12700" cap="flat" cmpd="sng" algn="ctr">
+                      <a:solidFill>
+                        <a:schemeClr val="tx1"/>
+                      </a:solidFill>
+                      <a:prstDash val="solid"/>
+                      <a:round/>
+                      <a:headEnd type="none" w="med" len="med"/>
+                      <a:tailEnd type="none" w="med" len="med"/>
+                    </a:lnB>
+                    <a:solidFill>
+                      <a:srgbClr val="FFFFFF"/>
+                    </a:solidFill>
+                  </a:tcPr>
+                </a:tc>
+                <a:tc>
+                  <a:txBody>
+                    <a:bodyPr/>
+                    <a:lstStyle/>
+                    <a:p>
+                      <a:r>
+                        <a:rPr lang="de-DE" sz="1800" b="0" strike="noStrike" spc="-1" dirty="0">
+                          <a:solidFill>
+                            <a:srgbClr val="666666"/>
+                          </a:solidFill>
+                          <a:uFill>
+                            <a:solidFill>
+                              <a:srgbClr val="FFFFFF"/>
+                            </a:solidFill>
+                          </a:uFill>
+                          <a:latin typeface="+mn-lt"/>
+                        </a:rPr>
+                        <a:t>Y-</a:t>
+                      </a:r>
+                      <a:r>
+                        <a:rPr lang="de-DE" sz="1800" b="0" strike="noStrike" spc="-1" dirty="0" err="1">
+                          <a:solidFill>
+                            <a:srgbClr val="666666"/>
+                          </a:solidFill>
+                          <a:uFill>
+                            <a:solidFill>
+                              <a:srgbClr val="FFFFFF"/>
+                            </a:solidFill>
+                          </a:uFill>
+                          <a:latin typeface="+mn-lt"/>
+                        </a:rPr>
+                        <a:t>component</a:t>
+                      </a:r>
+                      <a:endParaRPr lang="de-DE" sz="1800" b="0" strike="noStrike" spc="-1" dirty="0">
+                        <a:solidFill>
+                          <a:srgbClr val="666666"/>
+                        </a:solidFill>
+                        <a:uFill>
+                          <a:solidFill>
+                            <a:srgbClr val="FFFFFF"/>
+                          </a:solidFill>
+                        </a:uFill>
+                        <a:latin typeface="Arial"/>
+                      </a:endParaRPr>
+                    </a:p>
+                  </a:txBody>
+                  <a:tcPr marL="90000" marR="90000">
+                    <a:lnL w="12700" cap="flat" cmpd="sng" algn="ctr">
+                      <a:solidFill>
+                        <a:schemeClr val="tx1"/>
+                      </a:solidFill>
+                      <a:prstDash val="solid"/>
+                      <a:round/>
+                      <a:headEnd type="none" w="med" len="med"/>
+                      <a:tailEnd type="none" w="med" len="med"/>
+                    </a:lnL>
+                    <a:lnR w="12700" cap="flat" cmpd="sng" algn="ctr">
+                      <a:solidFill>
+                        <a:schemeClr val="tx1"/>
+                      </a:solidFill>
+                      <a:prstDash val="solid"/>
+                      <a:round/>
+                      <a:headEnd type="none" w="med" len="med"/>
+                      <a:tailEnd type="none" w="med" len="med"/>
+                    </a:lnR>
+                    <a:lnT w="12700" cap="flat" cmpd="sng" algn="ctr">
+                      <a:solidFill>
+                        <a:schemeClr val="tx1"/>
+                      </a:solidFill>
+                      <a:prstDash val="solid"/>
+                      <a:round/>
+                      <a:headEnd type="none" w="med" len="med"/>
+                      <a:tailEnd type="none" w="med" len="med"/>
+                    </a:lnT>
+                    <a:lnB w="12700" cap="flat" cmpd="sng" algn="ctr">
+                      <a:solidFill>
+                        <a:schemeClr val="tx1"/>
+                      </a:solidFill>
+                      <a:prstDash val="solid"/>
+                      <a:round/>
+                      <a:headEnd type="none" w="med" len="med"/>
+                      <a:tailEnd type="none" w="med" len="med"/>
+                    </a:lnB>
+                    <a:solidFill>
+                      <a:srgbClr val="FFFFFF"/>
+                    </a:solidFill>
+                  </a:tcPr>
+                </a:tc>
+                <a:extLst>
+                  <a:ext uri="{0D108BD9-81ED-4DB2-BD59-A6C34878D82A}">
+                    <a16:rowId xmlns:a16="http://schemas.microsoft.com/office/drawing/2014/main" val="1264968443"/>
+                  </a:ext>
+                </a:extLst>
+              </a:tr>
+              <a:tr h="405807">
+                <a:tc vMerge="1">
+                  <a:txBody>
+                    <a:bodyPr/>
+                    <a:lstStyle/>
+                    <a:p>
+                      <a:endParaRPr lang="de-DE" sz="1800" b="0" strike="noStrike" spc="-1" dirty="0">
+                        <a:solidFill>
+                          <a:srgbClr val="666666"/>
+                        </a:solidFill>
+                        <a:uFill>
+                          <a:solidFill>
+                            <a:srgbClr val="FFFFFF"/>
+                          </a:solidFill>
+                        </a:uFill>
+                        <a:latin typeface="Arial"/>
+                      </a:endParaRPr>
+                    </a:p>
+                  </a:txBody>
+                  <a:tcPr marL="90000" marR="90000">
+                    <a:lnL w="12700" cap="flat" cmpd="sng" algn="ctr">
+                      <a:solidFill>
+                        <a:schemeClr val="tx1"/>
+                      </a:solidFill>
+                      <a:prstDash val="solid"/>
+                      <a:round/>
+                      <a:headEnd type="none" w="med" len="med"/>
+                      <a:tailEnd type="none" w="med" len="med"/>
+                    </a:lnL>
+                    <a:lnR w="12700" cap="flat" cmpd="sng" algn="ctr">
+                      <a:solidFill>
+                        <a:schemeClr val="tx1"/>
+                      </a:solidFill>
+                      <a:prstDash val="solid"/>
+                      <a:round/>
+                      <a:headEnd type="none" w="med" len="med"/>
+                      <a:tailEnd type="none" w="med" len="med"/>
+                    </a:lnR>
+                    <a:lnT w="12700" cap="flat" cmpd="sng" algn="ctr">
+                      <a:solidFill>
+                        <a:schemeClr val="tx1"/>
+                      </a:solidFill>
+                      <a:prstDash val="solid"/>
+                      <a:round/>
+                      <a:headEnd type="none" w="med" len="med"/>
+                      <a:tailEnd type="none" w="med" len="med"/>
+                    </a:lnT>
+                    <a:lnB w="12700" cap="flat" cmpd="sng" algn="ctr">
+                      <a:solidFill>
+                        <a:schemeClr val="tx1"/>
+                      </a:solidFill>
+                      <a:prstDash val="solid"/>
+                      <a:round/>
+                      <a:headEnd type="none" w="med" len="med"/>
+                      <a:tailEnd type="none" w="med" len="med"/>
+                    </a:lnB>
+                    <a:solidFill>
+                      <a:srgbClr val="FFFFFF"/>
+                    </a:solidFill>
+                  </a:tcPr>
+                </a:tc>
+                <a:tc>
+                  <a:txBody>
+                    <a:bodyPr/>
+                    <a:lstStyle/>
+                    <a:p>
+                      <a:pPr marL="0" marR="0" lvl="0" indent="0" algn="l" defTabSz="914400" rtl="0" eaLnBrk="1" fontAlgn="auto" latinLnBrk="0" hangingPunct="1">
+                        <a:lnSpc>
+                          <a:spcPct val="100000"/>
+                        </a:lnSpc>
+                        <a:spcBef>
+                          <a:spcPts val="0"/>
+                        </a:spcBef>
+                        <a:spcAft>
+                          <a:spcPts val="0"/>
+                        </a:spcAft>
+                        <a:buClrTx/>
+                        <a:buSzTx/>
+                        <a:buFontTx/>
+                        <a:buNone/>
+                        <a:tabLst/>
+                        <a:defRPr/>
+                      </a:pPr>
+                      <a:r>
+                        <a:rPr lang="de-DE" sz="1800" b="0" strike="noStrike" spc="-1" dirty="0">
+                          <a:solidFill>
+                            <a:srgbClr val="666666"/>
+                          </a:solidFill>
+                          <a:uFill>
+                            <a:solidFill>
+                              <a:srgbClr val="FFFFFF"/>
+                            </a:solidFill>
+                          </a:uFill>
+                          <a:latin typeface="+mn-lt"/>
+                        </a:rPr>
+                        <a:t>Z-</a:t>
+                      </a:r>
+                      <a:r>
+                        <a:rPr lang="de-DE" sz="1800" b="0" strike="noStrike" spc="-1" dirty="0" err="1">
+                          <a:solidFill>
+                            <a:srgbClr val="666666"/>
+                          </a:solidFill>
+                          <a:uFill>
+                            <a:solidFill>
+                              <a:srgbClr val="FFFFFF"/>
+                            </a:solidFill>
+                          </a:uFill>
+                          <a:latin typeface="+mn-lt"/>
+                        </a:rPr>
+                        <a:t>component</a:t>
+                      </a:r>
+                      <a:endParaRPr lang="de-DE" sz="1800" b="0" strike="noStrike" spc="-1" dirty="0">
+                        <a:solidFill>
+                          <a:srgbClr val="666666"/>
+                        </a:solidFill>
+                        <a:uFill>
+                          <a:solidFill>
+                            <a:srgbClr val="FFFFFF"/>
+                          </a:solidFill>
+                        </a:uFill>
+                        <a:latin typeface="+mn-lt"/>
+                      </a:endParaRPr>
+                    </a:p>
+                  </a:txBody>
+                  <a:tcPr marL="90000" marR="90000">
+                    <a:lnL w="12700" cap="flat" cmpd="sng" algn="ctr">
+                      <a:solidFill>
+                        <a:schemeClr val="tx1"/>
+                      </a:solidFill>
+                      <a:prstDash val="solid"/>
+                      <a:round/>
+                      <a:headEnd type="none" w="med" len="med"/>
+                      <a:tailEnd type="none" w="med" len="med"/>
+                    </a:lnL>
+                    <a:lnR w="12700" cap="flat" cmpd="sng" algn="ctr">
+                      <a:solidFill>
+                        <a:schemeClr val="tx1"/>
+                      </a:solidFill>
+                      <a:prstDash val="solid"/>
+                      <a:round/>
+                      <a:headEnd type="none" w="med" len="med"/>
+                      <a:tailEnd type="none" w="med" len="med"/>
+                    </a:lnR>
+                    <a:lnT w="12700" cap="flat" cmpd="sng" algn="ctr">
+                      <a:solidFill>
+                        <a:schemeClr val="tx1"/>
+                      </a:solidFill>
+                      <a:prstDash val="solid"/>
+                      <a:round/>
+                      <a:headEnd type="none" w="med" len="med"/>
+                      <a:tailEnd type="none" w="med" len="med"/>
+                    </a:lnT>
+                    <a:lnB w="12700" cap="flat" cmpd="sng" algn="ctr">
+                      <a:solidFill>
+                        <a:schemeClr val="tx1"/>
+                      </a:solidFill>
+                      <a:prstDash val="solid"/>
+                      <a:round/>
+                      <a:headEnd type="none" w="med" len="med"/>
+                      <a:tailEnd type="none" w="med" len="med"/>
+                    </a:lnB>
+                    <a:solidFill>
+                      <a:srgbClr val="FFFFFF"/>
+                    </a:solidFill>
+                  </a:tcPr>
+                </a:tc>
+                <a:extLst>
+                  <a:ext uri="{0D108BD9-81ED-4DB2-BD59-A6C34878D82A}">
+                    <a16:rowId xmlns:a16="http://schemas.microsoft.com/office/drawing/2014/main" val="3104493529"/>
                   </a:ext>
                 </a:extLst>
               </a:tr>
@@ -11149,8 +12259,8 @@
         </p:nvSpPr>
         <p:spPr>
           <a:xfrm>
-            <a:off x="153720" y="5992560"/>
-            <a:ext cx="350280" cy="271440"/>
+            <a:off x="153720" y="5992559"/>
+            <a:ext cx="449962" cy="275075"/>
           </a:xfrm>
           <a:prstGeom prst="rect">
             <a:avLst/>
@@ -11338,13 +12448,13 @@
           <p:nvPr>
             <p:extLst>
               <p:ext uri="{D42A27DB-BD31-4B8C-83A1-F6EECF244321}">
-                <p14:modId xmlns:p14="http://schemas.microsoft.com/office/powerpoint/2010/main" val="514751085"/>
+                <p14:modId xmlns:p14="http://schemas.microsoft.com/office/powerpoint/2010/main" val="2687767606"/>
               </p:ext>
             </p:extLst>
           </p:nvPr>
         </p:nvGraphicFramePr>
         <p:xfrm>
-          <a:off x="107640" y="859680"/>
+          <a:off x="144000" y="1105279"/>
           <a:ext cx="8640720" cy="1297440"/>
         </p:xfrm>
         <a:graphic>
@@ -11912,7 +13022,7 @@
         </p:nvSpPr>
         <p:spPr>
           <a:xfrm>
-            <a:off x="216000" y="5632560"/>
+            <a:off x="144000" y="5998320"/>
             <a:ext cx="350280" cy="271440"/>
           </a:xfrm>
           <a:prstGeom prst="rect">
@@ -11985,7 +13095,7 @@
         </p:blipFill>
         <p:spPr>
           <a:xfrm>
-            <a:off x="144000" y="2304000"/>
+            <a:off x="144000" y="2409300"/>
             <a:ext cx="5688000" cy="3336840"/>
           </a:xfrm>
           <a:prstGeom prst="rect">
@@ -19430,83 +20540,14 @@
       </p:grpSpPr>
       <p:sp>
         <p:nvSpPr>
-          <p:cNvPr id="184" name="CustomShape 1"/>
-          <p:cNvSpPr/>
-          <p:nvPr/>
-        </p:nvSpPr>
-        <p:spPr>
-          <a:xfrm>
-            <a:off x="251640" y="260640"/>
-            <a:ext cx="7198920" cy="718200"/>
-          </a:xfrm>
-          <a:prstGeom prst="rect">
-            <a:avLst/>
-          </a:prstGeom>
-          <a:noFill/>
-          <a:ln>
-            <a:noFill/>
-          </a:ln>
-        </p:spPr>
-        <p:style>
-          <a:lnRef idx="0">
-            <a:scrgbClr r="0" g="0" b="0"/>
-          </a:lnRef>
-          <a:fillRef idx="0">
-            <a:scrgbClr r="0" g="0" b="0"/>
-          </a:fillRef>
-          <a:effectRef idx="0">
-            <a:scrgbClr r="0" g="0" b="0"/>
-          </a:effectRef>
-          <a:fontRef idx="minor"/>
-        </p:style>
-        <p:txBody>
-          <a:bodyPr lIns="90000" tIns="45000" rIns="90000" bIns="45000"/>
-          <a:lstStyle/>
-          <a:p>
-            <a:pPr>
-              <a:lnSpc>
-                <a:spcPct val="100000"/>
-              </a:lnSpc>
-            </a:pPr>
-            <a:r>
-              <a:rPr lang="de-DE" sz="2800" b="0" strike="noStrike" spc="-1" dirty="0">
-                <a:solidFill>
-                  <a:srgbClr val="5F5F5F"/>
-                </a:solidFill>
-                <a:uFill>
-                  <a:solidFill>
-                    <a:srgbClr val="FFFFFF"/>
-                  </a:solidFill>
-                </a:uFill>
-                <a:latin typeface="Arial"/>
-                <a:ea typeface="DejaVu Sans"/>
-              </a:rPr>
-              <a:t>Quellen</a:t>
-            </a:r>
-            <a:endParaRPr lang="de-DE" sz="2800" b="0" strike="noStrike" spc="-1" dirty="0">
-              <a:solidFill>
-                <a:srgbClr val="000000"/>
-              </a:solidFill>
-              <a:uFill>
-                <a:solidFill>
-                  <a:srgbClr val="FFFFFF"/>
-                </a:solidFill>
-              </a:uFill>
-              <a:latin typeface="Arial"/>
-            </a:endParaRPr>
-          </a:p>
-        </p:txBody>
-      </p:sp>
-      <p:sp>
-        <p:nvSpPr>
-          <p:cNvPr id="185" name="TextShape 2"/>
+          <p:cNvPr id="188" name="TextShape 1"/>
           <p:cNvSpPr txBox="1"/>
           <p:nvPr/>
         </p:nvSpPr>
         <p:spPr>
           <a:xfrm>
-            <a:off x="170209" y="1448878"/>
-            <a:ext cx="8803582" cy="2910058"/>
+            <a:off x="410760" y="2095200"/>
+            <a:ext cx="8229240" cy="1144800"/>
           </a:xfrm>
           <a:prstGeom prst="rect">
             <a:avLst/>
@@ -19517,17 +20558,12 @@
           </a:ln>
         </p:spPr>
         <p:txBody>
-          <a:bodyPr lIns="90000" tIns="45000" rIns="90000" bIns="45000"/>
+          <a:bodyPr lIns="0" tIns="0" rIns="0" bIns="0" anchor="ctr"/>
           <a:lstStyle/>
           <a:p>
-            <a:pPr>
-              <a:buClr>
-                <a:srgbClr val="CC0000"/>
-              </a:buClr>
-              <a:buSzPct val="45000"/>
-            </a:pPr>
+            <a:pPr algn="ctr"/>
             <a:r>
-              <a:rPr lang="de-DE" sz="1800" b="0" strike="noStrike" spc="-1" dirty="0">
+              <a:rPr lang="de-DE" sz="4400" b="0" strike="noStrike" spc="-1">
                 <a:solidFill>
                   <a:srgbClr val="666666"/>
                 </a:solidFill>
@@ -19538,345 +20574,12 @@
                 </a:uFill>
                 <a:latin typeface="Arial"/>
               </a:rPr>
-              <a:t>[</a:t>
+              <a:t>Fragen?</a:t>
             </a:r>
-            <a:r>
-              <a:rPr lang="de-DE" spc="-1" dirty="0">
-                <a:solidFill>
-                  <a:srgbClr val="666666"/>
-                </a:solidFill>
-                <a:uFill>
-                  <a:solidFill>
-                    <a:srgbClr val="FFFFFF"/>
-                  </a:solidFill>
-                </a:uFill>
-              </a:rPr>
-              <a:t>1] https://www.copybook.com/media/military/profiles/laarsa-legion-of-associated-</a:t>
-            </a:r>
-          </a:p>
-          <a:p>
-            <a:pPr>
-              <a:buClr>
-                <a:srgbClr val="CC0000"/>
-              </a:buClr>
-              <a:buSzPct val="45000"/>
-            </a:pPr>
-            <a:r>
-              <a:rPr lang="de-DE" spc="-1" dirty="0">
-                <a:solidFill>
-                  <a:srgbClr val="666666"/>
-                </a:solidFill>
-                <a:uFill>
-                  <a:solidFill>
-                    <a:srgbClr val="FFFFFF"/>
-                  </a:solidFill>
-                </a:uFill>
-              </a:rPr>
-              <a:t>     </a:t>
-            </a:r>
-            <a:r>
-              <a:rPr lang="de-DE" spc="-1" dirty="0" err="1">
-                <a:solidFill>
-                  <a:srgbClr val="666666"/>
-                </a:solidFill>
-                <a:uFill>
-                  <a:solidFill>
-                    <a:srgbClr val="FFFFFF"/>
-                  </a:solidFill>
-                </a:uFill>
-              </a:rPr>
-              <a:t>airborne-republic-of-south-africa</a:t>
-            </a:r>
-            <a:r>
-              <a:rPr lang="de-DE" spc="-1" dirty="0">
-                <a:solidFill>
-                  <a:srgbClr val="666666"/>
-                </a:solidFill>
-                <a:uFill>
-                  <a:solidFill>
-                    <a:srgbClr val="FFFFFF"/>
-                  </a:solidFill>
-                </a:uFill>
-              </a:rPr>
-              <a:t>/</a:t>
-            </a:r>
-            <a:r>
-              <a:rPr lang="de-DE" spc="-1" dirty="0" err="1">
-                <a:solidFill>
-                  <a:srgbClr val="666666"/>
-                </a:solidFill>
-                <a:uFill>
-                  <a:solidFill>
-                    <a:srgbClr val="FFFFFF"/>
-                  </a:solidFill>
-                </a:uFill>
-              </a:rPr>
-              <a:t>migrated</a:t>
-            </a:r>
-            <a:r>
-              <a:rPr lang="de-DE" spc="-1" dirty="0">
-                <a:solidFill>
-                  <a:srgbClr val="666666"/>
-                </a:solidFill>
-                <a:uFill>
-                  <a:solidFill>
-                    <a:srgbClr val="FFFFFF"/>
-                  </a:solidFill>
-                </a:uFill>
-              </a:rPr>
-              <a:t>/</a:t>
-            </a:r>
-            <a:r>
-              <a:rPr lang="de-DE" spc="-1" dirty="0" err="1">
-                <a:solidFill>
-                  <a:srgbClr val="666666"/>
-                </a:solidFill>
-                <a:uFill>
-                  <a:solidFill>
-                    <a:srgbClr val="FFFFFF"/>
-                  </a:solidFill>
-                </a:uFill>
-              </a:rPr>
-              <a:t>images</a:t>
-            </a:r>
-            <a:r>
-              <a:rPr lang="de-DE" spc="-1" dirty="0">
-                <a:solidFill>
-                  <a:srgbClr val="666666"/>
-                </a:solidFill>
-                <a:uFill>
-                  <a:solidFill>
-                    <a:srgbClr val="FFFFFF"/>
-                  </a:solidFill>
-                </a:uFill>
-              </a:rPr>
-              <a:t>/SimuStrike-800.jpg</a:t>
-            </a:r>
-            <a:endParaRPr lang="de-DE" sz="1800" b="0" strike="noStrike" spc="-1" dirty="0">
-              <a:solidFill>
-                <a:srgbClr val="666666"/>
-              </a:solidFill>
-              <a:uFill>
-                <a:solidFill>
-                  <a:srgbClr val="FFFFFF"/>
-                </a:solidFill>
-              </a:uFill>
-              <a:latin typeface="Arial"/>
-            </a:endParaRPr>
-          </a:p>
-          <a:p>
-            <a:pPr>
-              <a:buClr>
-                <a:srgbClr val="CC0000"/>
-              </a:buClr>
-              <a:buSzPct val="45000"/>
-            </a:pPr>
-            <a:r>
-              <a:rPr lang="de-DE" sz="1800" b="0" strike="noStrike" spc="-1" dirty="0">
-                <a:solidFill>
-                  <a:srgbClr val="666666"/>
-                </a:solidFill>
-                <a:uFill>
-                  <a:solidFill>
-                    <a:srgbClr val="FFFFFF"/>
-                  </a:solidFill>
-                </a:uFill>
-                <a:latin typeface="Arial"/>
-              </a:rPr>
-              <a:t>[</a:t>
-            </a:r>
-            <a:r>
-              <a:rPr lang="de-DE" spc="-1" dirty="0">
-                <a:solidFill>
-                  <a:srgbClr val="666666"/>
-                </a:solidFill>
-                <a:uFill>
-                  <a:solidFill>
-                    <a:srgbClr val="FFFFFF"/>
-                  </a:solidFill>
-                </a:uFill>
-              </a:rPr>
-              <a:t>2] https://news.usni.org/wp-content/uploads/2018/02/161118-N-N0443-0040.jpg</a:t>
-            </a:r>
-          </a:p>
-          <a:p>
-            <a:pPr>
-              <a:buClr>
-                <a:srgbClr val="CC0000"/>
-              </a:buClr>
-              <a:buSzPct val="45000"/>
-            </a:pPr>
-            <a:r>
-              <a:rPr lang="de-DE" sz="1800" b="0" strike="noStrike" spc="-1" dirty="0">
-                <a:solidFill>
-                  <a:srgbClr val="666666"/>
-                </a:solidFill>
-                <a:uFill>
-                  <a:solidFill>
-                    <a:srgbClr val="FFFFFF"/>
-                  </a:solidFill>
-                </a:uFill>
-                <a:latin typeface="Arial"/>
-              </a:rPr>
-              <a:t>[3] IEEE Standard </a:t>
-            </a:r>
-            <a:r>
-              <a:rPr lang="de-DE" sz="1800" b="0" strike="noStrike" spc="-1" dirty="0" err="1">
-                <a:solidFill>
-                  <a:srgbClr val="666666"/>
-                </a:solidFill>
-                <a:uFill>
-                  <a:solidFill>
-                    <a:srgbClr val="FFFFFF"/>
-                  </a:solidFill>
-                </a:uFill>
-                <a:latin typeface="Arial"/>
-              </a:rPr>
-              <a:t>for</a:t>
-            </a:r>
-            <a:r>
-              <a:rPr lang="de-DE" sz="1800" b="0" strike="noStrike" spc="-1" dirty="0">
-                <a:solidFill>
-                  <a:srgbClr val="666666"/>
-                </a:solidFill>
-                <a:uFill>
-                  <a:solidFill>
-                    <a:srgbClr val="FFFFFF"/>
-                  </a:solidFill>
-                </a:uFill>
-                <a:latin typeface="Arial"/>
-              </a:rPr>
-              <a:t> Distributed Interactive Simulation – </a:t>
-            </a:r>
-            <a:r>
-              <a:rPr lang="de-DE" sz="1800" b="0" strike="noStrike" spc="-1" dirty="0" err="1">
-                <a:solidFill>
-                  <a:srgbClr val="666666"/>
-                </a:solidFill>
-                <a:uFill>
-                  <a:solidFill>
-                    <a:srgbClr val="FFFFFF"/>
-                  </a:solidFill>
-                </a:uFill>
-                <a:latin typeface="Arial"/>
-              </a:rPr>
-              <a:t>Aplication</a:t>
-            </a:r>
-            <a:r>
-              <a:rPr lang="de-DE" sz="1800" b="0" strike="noStrike" spc="-1" dirty="0">
-                <a:solidFill>
-                  <a:srgbClr val="666666"/>
-                </a:solidFill>
-                <a:uFill>
-                  <a:solidFill>
-                    <a:srgbClr val="FFFFFF"/>
-                  </a:solidFill>
-                </a:uFill>
-                <a:latin typeface="Arial"/>
-              </a:rPr>
-              <a:t> </a:t>
-            </a:r>
-            <a:r>
-              <a:rPr lang="de-DE" sz="1800" b="0" strike="noStrike" spc="-1" dirty="0" err="1">
-                <a:solidFill>
-                  <a:srgbClr val="666666"/>
-                </a:solidFill>
-                <a:uFill>
-                  <a:solidFill>
-                    <a:srgbClr val="FFFFFF"/>
-                  </a:solidFill>
-                </a:uFill>
-                <a:latin typeface="Arial"/>
-              </a:rPr>
-              <a:t>Protocols</a:t>
-            </a:r>
-            <a:endParaRPr lang="de-DE" sz="1800" b="0" strike="noStrike" spc="-1" dirty="0">
-              <a:solidFill>
-                <a:srgbClr val="666666"/>
-              </a:solidFill>
-              <a:uFill>
-                <a:solidFill>
-                  <a:srgbClr val="FFFFFF"/>
-                </a:solidFill>
-              </a:uFill>
-              <a:latin typeface="Arial"/>
-            </a:endParaRPr>
-          </a:p>
-          <a:p>
-            <a:pPr algn="just">
-              <a:buClr>
-                <a:srgbClr val="CC0000"/>
-              </a:buClr>
-              <a:buSzPct val="45000"/>
-            </a:pPr>
-            <a:r>
-              <a:rPr lang="de-DE" spc="-1" dirty="0">
-                <a:solidFill>
-                  <a:srgbClr val="666666"/>
-                </a:solidFill>
-                <a:uFill>
-                  <a:solidFill>
-                    <a:srgbClr val="FFFFFF"/>
-                  </a:solidFill>
-                </a:uFill>
-              </a:rPr>
-              <a:t>[4] http://earthstationnotes.blogspot.com/2011/08/cone-of-silence-demystified.html</a:t>
-            </a:r>
-          </a:p>
-          <a:p>
-            <a:pPr algn="just">
-              <a:buClr>
-                <a:srgbClr val="CC0000"/>
-              </a:buClr>
-              <a:buSzPct val="45000"/>
-            </a:pPr>
-            <a:r>
-              <a:rPr lang="de-DE" sz="1800" b="0" strike="noStrike" spc="-1" dirty="0">
-                <a:solidFill>
-                  <a:srgbClr val="666666"/>
-                </a:solidFill>
-                <a:uFill>
-                  <a:solidFill>
-                    <a:srgbClr val="FFFFFF"/>
-                  </a:solidFill>
-                </a:uFill>
-                <a:latin typeface="Arial"/>
-              </a:rPr>
-              <a:t>[5] </a:t>
-            </a:r>
-            <a:r>
-              <a:rPr lang="de-DE" spc="-1" dirty="0">
-                <a:solidFill>
-                  <a:srgbClr val="666666"/>
-                </a:solidFill>
-                <a:uFill>
-                  <a:solidFill>
-                    <a:srgbClr val="FFFFFF"/>
-                  </a:solidFill>
-                </a:uFill>
-              </a:rPr>
-              <a:t>http://open-dis.org/Open-DIS.ppt</a:t>
-            </a:r>
-            <a:endParaRPr lang="de-DE" sz="1800" b="0" strike="noStrike" spc="-1" dirty="0">
-              <a:solidFill>
-                <a:srgbClr val="666666"/>
-              </a:solidFill>
-              <a:uFill>
-                <a:solidFill>
-                  <a:srgbClr val="FFFFFF"/>
-                </a:solidFill>
-              </a:uFill>
-              <a:latin typeface="Arial"/>
-            </a:endParaRPr>
           </a:p>
         </p:txBody>
       </p:sp>
     </p:spTree>
-    <p:extLst>
-      <p:ext uri="{BB962C8B-B14F-4D97-AF65-F5344CB8AC3E}">
-        <p14:creationId xmlns:p14="http://schemas.microsoft.com/office/powerpoint/2010/main" val="1636372318"/>
-      </p:ext>
-    </p:extLst>
   </p:cSld>
   <p:clrMapOvr>
     <a:masterClrMapping/>
@@ -19930,14 +20633,83 @@
       </p:grpSpPr>
       <p:sp>
         <p:nvSpPr>
-          <p:cNvPr id="188" name="TextShape 1"/>
+          <p:cNvPr id="184" name="CustomShape 1"/>
+          <p:cNvSpPr/>
+          <p:nvPr/>
+        </p:nvSpPr>
+        <p:spPr>
+          <a:xfrm>
+            <a:off x="251640" y="260640"/>
+            <a:ext cx="7198920" cy="718200"/>
+          </a:xfrm>
+          <a:prstGeom prst="rect">
+            <a:avLst/>
+          </a:prstGeom>
+          <a:noFill/>
+          <a:ln>
+            <a:noFill/>
+          </a:ln>
+        </p:spPr>
+        <p:style>
+          <a:lnRef idx="0">
+            <a:scrgbClr r="0" g="0" b="0"/>
+          </a:lnRef>
+          <a:fillRef idx="0">
+            <a:scrgbClr r="0" g="0" b="0"/>
+          </a:fillRef>
+          <a:effectRef idx="0">
+            <a:scrgbClr r="0" g="0" b="0"/>
+          </a:effectRef>
+          <a:fontRef idx="minor"/>
+        </p:style>
+        <p:txBody>
+          <a:bodyPr lIns="90000" tIns="45000" rIns="90000" bIns="45000"/>
+          <a:lstStyle/>
+          <a:p>
+            <a:pPr>
+              <a:lnSpc>
+                <a:spcPct val="100000"/>
+              </a:lnSpc>
+            </a:pPr>
+            <a:r>
+              <a:rPr lang="de-DE" sz="2800" b="0" strike="noStrike" spc="-1" dirty="0">
+                <a:solidFill>
+                  <a:srgbClr val="5F5F5F"/>
+                </a:solidFill>
+                <a:uFill>
+                  <a:solidFill>
+                    <a:srgbClr val="FFFFFF"/>
+                  </a:solidFill>
+                </a:uFill>
+                <a:latin typeface="Arial"/>
+                <a:ea typeface="DejaVu Sans"/>
+              </a:rPr>
+              <a:t>Quellen</a:t>
+            </a:r>
+            <a:endParaRPr lang="de-DE" sz="2800" b="0" strike="noStrike" spc="-1" dirty="0">
+              <a:solidFill>
+                <a:srgbClr val="000000"/>
+              </a:solidFill>
+              <a:uFill>
+                <a:solidFill>
+                  <a:srgbClr val="FFFFFF"/>
+                </a:solidFill>
+              </a:uFill>
+              <a:latin typeface="Arial"/>
+            </a:endParaRPr>
+          </a:p>
+        </p:txBody>
+      </p:sp>
+      <p:sp>
+        <p:nvSpPr>
+          <p:cNvPr id="185" name="TextShape 2"/>
           <p:cNvSpPr txBox="1"/>
           <p:nvPr/>
         </p:nvSpPr>
         <p:spPr>
           <a:xfrm>
-            <a:off x="410760" y="2095200"/>
-            <a:ext cx="8229240" cy="1144800"/>
+            <a:off x="170209" y="1448878"/>
+            <a:ext cx="8803582" cy="2910058"/>
           </a:xfrm>
           <a:prstGeom prst="rect">
             <a:avLst/>
@@ -19948,12 +20720,17 @@
           </a:ln>
         </p:spPr>
         <p:txBody>
-          <a:bodyPr lIns="0" tIns="0" rIns="0" bIns="0" anchor="ctr"/>
+          <a:bodyPr lIns="90000" tIns="45000" rIns="90000" bIns="45000"/>
           <a:lstStyle/>
           <a:p>
-            <a:pPr algn="ctr"/>
+            <a:pPr>
+              <a:buClr>
+                <a:srgbClr val="CC0000"/>
+              </a:buClr>
+              <a:buSzPct val="45000"/>
+            </a:pPr>
             <a:r>
-              <a:rPr lang="de-DE" sz="4400" b="0" strike="noStrike" spc="-1">
+              <a:rPr lang="de-DE" sz="1800" b="0" strike="noStrike" spc="-1" dirty="0">
                 <a:solidFill>
                   <a:srgbClr val="666666"/>
                 </a:solidFill>
@@ -19964,12 +20741,345 @@
                 </a:uFill>
                 <a:latin typeface="Arial"/>
               </a:rPr>
-              <a:t>Fragen?</a:t>
+              <a:t>[</a:t>
             </a:r>
+            <a:r>
+              <a:rPr lang="de-DE" spc="-1" dirty="0">
+                <a:solidFill>
+                  <a:srgbClr val="666666"/>
+                </a:solidFill>
+                <a:uFill>
+                  <a:solidFill>
+                    <a:srgbClr val="FFFFFF"/>
+                  </a:solidFill>
+                </a:uFill>
+              </a:rPr>
+              <a:t>1] https://www.copybook.com/media/military/profiles/laarsa-legion-of-associated-</a:t>
+            </a:r>
+          </a:p>
+          <a:p>
+            <a:pPr>
+              <a:buClr>
+                <a:srgbClr val="CC0000"/>
+              </a:buClr>
+              <a:buSzPct val="45000"/>
+            </a:pPr>
+            <a:r>
+              <a:rPr lang="de-DE" spc="-1" dirty="0">
+                <a:solidFill>
+                  <a:srgbClr val="666666"/>
+                </a:solidFill>
+                <a:uFill>
+                  <a:solidFill>
+                    <a:srgbClr val="FFFFFF"/>
+                  </a:solidFill>
+                </a:uFill>
+              </a:rPr>
+              <a:t>     </a:t>
+            </a:r>
+            <a:r>
+              <a:rPr lang="de-DE" spc="-1" dirty="0" err="1">
+                <a:solidFill>
+                  <a:srgbClr val="666666"/>
+                </a:solidFill>
+                <a:uFill>
+                  <a:solidFill>
+                    <a:srgbClr val="FFFFFF"/>
+                  </a:solidFill>
+                </a:uFill>
+              </a:rPr>
+              <a:t>airborne-republic-of-south-africa</a:t>
+            </a:r>
+            <a:r>
+              <a:rPr lang="de-DE" spc="-1" dirty="0">
+                <a:solidFill>
+                  <a:srgbClr val="666666"/>
+                </a:solidFill>
+                <a:uFill>
+                  <a:solidFill>
+                    <a:srgbClr val="FFFFFF"/>
+                  </a:solidFill>
+                </a:uFill>
+              </a:rPr>
+              <a:t>/</a:t>
+            </a:r>
+            <a:r>
+              <a:rPr lang="de-DE" spc="-1" dirty="0" err="1">
+                <a:solidFill>
+                  <a:srgbClr val="666666"/>
+                </a:solidFill>
+                <a:uFill>
+                  <a:solidFill>
+                    <a:srgbClr val="FFFFFF"/>
+                  </a:solidFill>
+                </a:uFill>
+              </a:rPr>
+              <a:t>migrated</a:t>
+            </a:r>
+            <a:r>
+              <a:rPr lang="de-DE" spc="-1" dirty="0">
+                <a:solidFill>
+                  <a:srgbClr val="666666"/>
+                </a:solidFill>
+                <a:uFill>
+                  <a:solidFill>
+                    <a:srgbClr val="FFFFFF"/>
+                  </a:solidFill>
+                </a:uFill>
+              </a:rPr>
+              <a:t>/</a:t>
+            </a:r>
+            <a:r>
+              <a:rPr lang="de-DE" spc="-1" dirty="0" err="1">
+                <a:solidFill>
+                  <a:srgbClr val="666666"/>
+                </a:solidFill>
+                <a:uFill>
+                  <a:solidFill>
+                    <a:srgbClr val="FFFFFF"/>
+                  </a:solidFill>
+                </a:uFill>
+              </a:rPr>
+              <a:t>images</a:t>
+            </a:r>
+            <a:r>
+              <a:rPr lang="de-DE" spc="-1" dirty="0">
+                <a:solidFill>
+                  <a:srgbClr val="666666"/>
+                </a:solidFill>
+                <a:uFill>
+                  <a:solidFill>
+                    <a:srgbClr val="FFFFFF"/>
+                  </a:solidFill>
+                </a:uFill>
+              </a:rPr>
+              <a:t>/SimuStrike-800.jpg</a:t>
+            </a:r>
+            <a:endParaRPr lang="de-DE" sz="1800" b="0" strike="noStrike" spc="-1" dirty="0">
+              <a:solidFill>
+                <a:srgbClr val="666666"/>
+              </a:solidFill>
+              <a:uFill>
+                <a:solidFill>
+                  <a:srgbClr val="FFFFFF"/>
+                </a:solidFill>
+              </a:uFill>
+              <a:latin typeface="Arial"/>
+            </a:endParaRPr>
+          </a:p>
+          <a:p>
+            <a:pPr>
+              <a:buClr>
+                <a:srgbClr val="CC0000"/>
+              </a:buClr>
+              <a:buSzPct val="45000"/>
+            </a:pPr>
+            <a:r>
+              <a:rPr lang="de-DE" sz="1800" b="0" strike="noStrike" spc="-1" dirty="0">
+                <a:solidFill>
+                  <a:srgbClr val="666666"/>
+                </a:solidFill>
+                <a:uFill>
+                  <a:solidFill>
+                    <a:srgbClr val="FFFFFF"/>
+                  </a:solidFill>
+                </a:uFill>
+                <a:latin typeface="Arial"/>
+              </a:rPr>
+              <a:t>[</a:t>
+            </a:r>
+            <a:r>
+              <a:rPr lang="de-DE" spc="-1" dirty="0">
+                <a:solidFill>
+                  <a:srgbClr val="666666"/>
+                </a:solidFill>
+                <a:uFill>
+                  <a:solidFill>
+                    <a:srgbClr val="FFFFFF"/>
+                  </a:solidFill>
+                </a:uFill>
+              </a:rPr>
+              <a:t>2] https://news.usni.org/wp-content/uploads/2018/02/161118-N-N0443-0040.jpg</a:t>
+            </a:r>
+          </a:p>
+          <a:p>
+            <a:pPr>
+              <a:buClr>
+                <a:srgbClr val="CC0000"/>
+              </a:buClr>
+              <a:buSzPct val="45000"/>
+            </a:pPr>
+            <a:r>
+              <a:rPr lang="de-DE" sz="1800" b="0" strike="noStrike" spc="-1" dirty="0">
+                <a:solidFill>
+                  <a:srgbClr val="666666"/>
+                </a:solidFill>
+                <a:uFill>
+                  <a:solidFill>
+                    <a:srgbClr val="FFFFFF"/>
+                  </a:solidFill>
+                </a:uFill>
+                <a:latin typeface="Arial"/>
+              </a:rPr>
+              <a:t>[3] IEEE Standard </a:t>
+            </a:r>
+            <a:r>
+              <a:rPr lang="de-DE" sz="1800" b="0" strike="noStrike" spc="-1" dirty="0" err="1">
+                <a:solidFill>
+                  <a:srgbClr val="666666"/>
+                </a:solidFill>
+                <a:uFill>
+                  <a:solidFill>
+                    <a:srgbClr val="FFFFFF"/>
+                  </a:solidFill>
+                </a:uFill>
+                <a:latin typeface="Arial"/>
+              </a:rPr>
+              <a:t>for</a:t>
+            </a:r>
+            <a:r>
+              <a:rPr lang="de-DE" sz="1800" b="0" strike="noStrike" spc="-1" dirty="0">
+                <a:solidFill>
+                  <a:srgbClr val="666666"/>
+                </a:solidFill>
+                <a:uFill>
+                  <a:solidFill>
+                    <a:srgbClr val="FFFFFF"/>
+                  </a:solidFill>
+                </a:uFill>
+                <a:latin typeface="Arial"/>
+              </a:rPr>
+              <a:t> Distributed Interactive Simulation – </a:t>
+            </a:r>
+            <a:r>
+              <a:rPr lang="de-DE" sz="1800" b="0" strike="noStrike" spc="-1" dirty="0" err="1">
+                <a:solidFill>
+                  <a:srgbClr val="666666"/>
+                </a:solidFill>
+                <a:uFill>
+                  <a:solidFill>
+                    <a:srgbClr val="FFFFFF"/>
+                  </a:solidFill>
+                </a:uFill>
+                <a:latin typeface="Arial"/>
+              </a:rPr>
+              <a:t>Aplication</a:t>
+            </a:r>
+            <a:r>
+              <a:rPr lang="de-DE" sz="1800" b="0" strike="noStrike" spc="-1" dirty="0">
+                <a:solidFill>
+                  <a:srgbClr val="666666"/>
+                </a:solidFill>
+                <a:uFill>
+                  <a:solidFill>
+                    <a:srgbClr val="FFFFFF"/>
+                  </a:solidFill>
+                </a:uFill>
+                <a:latin typeface="Arial"/>
+              </a:rPr>
+              <a:t> </a:t>
+            </a:r>
+            <a:r>
+              <a:rPr lang="de-DE" sz="1800" b="0" strike="noStrike" spc="-1" dirty="0" err="1">
+                <a:solidFill>
+                  <a:srgbClr val="666666"/>
+                </a:solidFill>
+                <a:uFill>
+                  <a:solidFill>
+                    <a:srgbClr val="FFFFFF"/>
+                  </a:solidFill>
+                </a:uFill>
+                <a:latin typeface="Arial"/>
+              </a:rPr>
+              <a:t>Protocols</a:t>
+            </a:r>
+            <a:endParaRPr lang="de-DE" sz="1800" b="0" strike="noStrike" spc="-1" dirty="0">
+              <a:solidFill>
+                <a:srgbClr val="666666"/>
+              </a:solidFill>
+              <a:uFill>
+                <a:solidFill>
+                  <a:srgbClr val="FFFFFF"/>
+                </a:solidFill>
+              </a:uFill>
+              <a:latin typeface="Arial"/>
+            </a:endParaRPr>
+          </a:p>
+          <a:p>
+            <a:pPr algn="just">
+              <a:buClr>
+                <a:srgbClr val="CC0000"/>
+              </a:buClr>
+              <a:buSzPct val="45000"/>
+            </a:pPr>
+            <a:r>
+              <a:rPr lang="de-DE" spc="-1" dirty="0">
+                <a:solidFill>
+                  <a:srgbClr val="666666"/>
+                </a:solidFill>
+                <a:uFill>
+                  <a:solidFill>
+                    <a:srgbClr val="FFFFFF"/>
+                  </a:solidFill>
+                </a:uFill>
+              </a:rPr>
+              <a:t>[4] http://earthstationnotes.blogspot.com/2011/08/cone-of-silence-demystified.html</a:t>
+            </a:r>
+          </a:p>
+          <a:p>
+            <a:pPr algn="just">
+              <a:buClr>
+                <a:srgbClr val="CC0000"/>
+              </a:buClr>
+              <a:buSzPct val="45000"/>
+            </a:pPr>
+            <a:r>
+              <a:rPr lang="de-DE" sz="1800" b="0" strike="noStrike" spc="-1" dirty="0">
+                <a:solidFill>
+                  <a:srgbClr val="666666"/>
+                </a:solidFill>
+                <a:uFill>
+                  <a:solidFill>
+                    <a:srgbClr val="FFFFFF"/>
+                  </a:solidFill>
+                </a:uFill>
+                <a:latin typeface="Arial"/>
+              </a:rPr>
+              <a:t>[5] </a:t>
+            </a:r>
+            <a:r>
+              <a:rPr lang="de-DE" spc="-1" dirty="0">
+                <a:solidFill>
+                  <a:srgbClr val="666666"/>
+                </a:solidFill>
+                <a:uFill>
+                  <a:solidFill>
+                    <a:srgbClr val="FFFFFF"/>
+                  </a:solidFill>
+                </a:uFill>
+              </a:rPr>
+              <a:t>http://open-dis.org/Open-DIS.ppt</a:t>
+            </a:r>
+            <a:endParaRPr lang="de-DE" sz="1800" b="0" strike="noStrike" spc="-1" dirty="0">
+              <a:solidFill>
+                <a:srgbClr val="666666"/>
+              </a:solidFill>
+              <a:uFill>
+                <a:solidFill>
+                  <a:srgbClr val="FFFFFF"/>
+                </a:solidFill>
+              </a:uFill>
+              <a:latin typeface="Arial"/>
+            </a:endParaRPr>
           </a:p>
         </p:txBody>
       </p:sp>
     </p:spTree>
+    <p:extLst>
+      <p:ext uri="{BB962C8B-B14F-4D97-AF65-F5344CB8AC3E}">
+        <p14:creationId xmlns:p14="http://schemas.microsoft.com/office/powerpoint/2010/main" val="1636372318"/>
+      </p:ext>
+    </p:extLst>
   </p:cSld>
   <p:clrMapOvr>
     <a:masterClrMapping/>
@@ -24173,7 +25283,7 @@
         </p:nvSpPr>
         <p:spPr>
           <a:xfrm>
-            <a:off x="0" y="5276475"/>
+            <a:off x="3065" y="6093221"/>
             <a:ext cx="350280" cy="271440"/>
           </a:xfrm>
           <a:prstGeom prst="rect">
@@ -24241,35 +25351,35 @@
           <p:nvPr>
             <p:extLst>
               <p:ext uri="{D42A27DB-BD31-4B8C-83A1-F6EECF244321}">
-                <p14:modId xmlns:p14="http://schemas.microsoft.com/office/powerpoint/2010/main" val="3615170494"/>
+                <p14:modId xmlns:p14="http://schemas.microsoft.com/office/powerpoint/2010/main" val="2343044664"/>
               </p:ext>
             </p:extLst>
           </p:nvPr>
         </p:nvGraphicFramePr>
         <p:xfrm>
-          <a:off x="108000" y="1053000"/>
-          <a:ext cx="8784720" cy="4149315"/>
+          <a:off x="251640" y="1185554"/>
+          <a:ext cx="8501743" cy="4194317"/>
         </p:xfrm>
         <a:graphic>
           <a:graphicData uri="http://schemas.openxmlformats.org/drawingml/2006/table">
             <a:tbl>
               <a:tblPr/>
               <a:tblGrid>
-                <a:gridCol w="1132560">
+                <a:gridCol w="1186543">
                   <a:extLst>
                     <a:ext uri="{9D8B030D-6E8A-4147-A177-3AD203B41FA5}">
                       <a16:colId xmlns:a16="http://schemas.microsoft.com/office/drawing/2014/main" val="20000"/>
                     </a:ext>
                   </a:extLst>
                 </a:gridCol>
-                <a:gridCol w="2798280">
+                <a:gridCol w="2617675">
                   <a:extLst>
                     <a:ext uri="{9D8B030D-6E8A-4147-A177-3AD203B41FA5}">
                       <a16:colId xmlns:a16="http://schemas.microsoft.com/office/drawing/2014/main" val="20001"/>
                     </a:ext>
                   </a:extLst>
                 </a:gridCol>
-                <a:gridCol w="4853880">
+                <a:gridCol w="4697525">
                   <a:extLst>
                     <a:ext uri="{9D8B030D-6E8A-4147-A177-3AD203B41FA5}">
                       <a16:colId xmlns:a16="http://schemas.microsoft.com/office/drawing/2014/main" val="20002"/>
@@ -24277,7 +25387,7 @@
                   </a:extLst>
                 </a:gridCol>
               </a:tblGrid>
-              <a:tr h="701354">
+              <a:tr h="870884">
                 <a:tc>
                   <a:txBody>
                     <a:bodyPr/>
@@ -24494,7 +25604,7 @@
                   </a:ext>
                 </a:extLst>
               </a:tr>
-              <a:tr h="287330">
+              <a:tr h="278601">
                 <a:tc rowSpan="8">
                   <a:txBody>
                     <a:bodyPr/>
@@ -24928,7 +26038,7 @@
                   </a:ext>
                 </a:extLst>
               </a:tr>
-              <a:tr h="287330">
+              <a:tr h="278601">
                 <a:tc vMerge="1">
                   <a:txBody>
                     <a:bodyPr/>
@@ -25019,7 +26129,7 @@
                   </a:ext>
                 </a:extLst>
               </a:tr>
-              <a:tr h="287330">
+              <a:tr h="278601">
                 <a:tc vMerge="1">
                   <a:txBody>
                     <a:bodyPr/>
@@ -25110,7 +26220,7 @@
                   </a:ext>
                 </a:extLst>
               </a:tr>
-              <a:tr h="287330">
+              <a:tr h="278601">
                 <a:tc vMerge="1">
                   <a:txBody>
                     <a:bodyPr/>
@@ -25201,7 +26311,7 @@
                   </a:ext>
                 </a:extLst>
               </a:tr>
-              <a:tr h="287330">
+              <a:tr h="278601">
                 <a:tc vMerge="1">
                   <a:txBody>
                     <a:bodyPr/>
@@ -25292,7 +26402,7 @@
                   </a:ext>
                 </a:extLst>
               </a:tr>
-              <a:tr h="287330">
+              <a:tr h="278601">
                 <a:tc vMerge="1">
                   <a:txBody>
                     <a:bodyPr/>
@@ -25383,7 +26493,7 @@
                   </a:ext>
                 </a:extLst>
               </a:tr>
-              <a:tr h="287330">
+              <a:tr h="278601">
                 <a:tc vMerge="1">
                   <a:txBody>
                     <a:bodyPr/>
@@ -25507,7 +26617,7 @@
                   </a:ext>
                 </a:extLst>
               </a:tr>
-              <a:tr h="383107">
+              <a:tr h="364875">
                 <a:tc vMerge="1">
                   <a:txBody>
                     <a:bodyPr/>
@@ -25675,7 +26785,7 @@
                   </a:ext>
                 </a:extLst>
               </a:tr>
-              <a:tr h="287330">
+              <a:tr h="278601">
                 <a:tc rowSpan="3">
                   <a:txBody>
                     <a:bodyPr/>
@@ -25951,7 +27061,7 @@
                   </a:ext>
                 </a:extLst>
               </a:tr>
-              <a:tr h="383107">
+              <a:tr h="364875">
                 <a:tc vMerge="1">
                   <a:txBody>
                     <a:bodyPr/>
@@ -26063,7 +27173,7 @@
                   </a:ext>
                 </a:extLst>
               </a:tr>
-              <a:tr h="383107">
+              <a:tr h="364875">
                 <a:tc vMerge="1">
                   <a:txBody>
                     <a:bodyPr/>
